--- a/Diabetes Prediction with Machine Learning (ML).pptx
+++ b/Diabetes Prediction with Machine Learning (ML).pptx
@@ -5,7 +5,7 @@
     <p:sldMasterId id="2147483648" r:id="rId1"/>
   </p:sldMasterIdLst>
   <p:notesMasterIdLst>
-    <p:notesMasterId r:id="rId34"/>
+    <p:notesMasterId r:id="rId35"/>
   </p:notesMasterIdLst>
   <p:sldIdLst>
     <p:sldId id="256" r:id="rId2"/>
@@ -15,31 +15,32 @@
     <p:sldId id="261" r:id="rId6"/>
     <p:sldId id="283" r:id="rId7"/>
     <p:sldId id="284" r:id="rId8"/>
-    <p:sldId id="285" r:id="rId9"/>
-    <p:sldId id="286" r:id="rId10"/>
-    <p:sldId id="287" r:id="rId11"/>
-    <p:sldId id="288" r:id="rId12"/>
-    <p:sldId id="262" r:id="rId13"/>
-    <p:sldId id="263" r:id="rId14"/>
-    <p:sldId id="264" r:id="rId15"/>
-    <p:sldId id="265" r:id="rId16"/>
-    <p:sldId id="266" r:id="rId17"/>
+    <p:sldId id="289" r:id="rId9"/>
+    <p:sldId id="290" r:id="rId10"/>
+    <p:sldId id="291" r:id="rId11"/>
+    <p:sldId id="292" r:id="rId12"/>
+    <p:sldId id="287" r:id="rId13"/>
+    <p:sldId id="262" r:id="rId14"/>
+    <p:sldId id="263" r:id="rId15"/>
+    <p:sldId id="264" r:id="rId16"/>
+    <p:sldId id="265" r:id="rId17"/>
     <p:sldId id="267" r:id="rId18"/>
     <p:sldId id="272" r:id="rId19"/>
     <p:sldId id="268" r:id="rId20"/>
     <p:sldId id="269" r:id="rId21"/>
     <p:sldId id="270" r:id="rId22"/>
-    <p:sldId id="271" r:id="rId23"/>
-    <p:sldId id="273" r:id="rId24"/>
-    <p:sldId id="274" r:id="rId25"/>
-    <p:sldId id="275" r:id="rId26"/>
-    <p:sldId id="276" r:id="rId27"/>
-    <p:sldId id="277" r:id="rId28"/>
-    <p:sldId id="278" r:id="rId29"/>
-    <p:sldId id="279" r:id="rId30"/>
-    <p:sldId id="280" r:id="rId31"/>
-    <p:sldId id="281" r:id="rId32"/>
-    <p:sldId id="282" r:id="rId33"/>
+    <p:sldId id="293" r:id="rId23"/>
+    <p:sldId id="294" r:id="rId24"/>
+    <p:sldId id="273" r:id="rId25"/>
+    <p:sldId id="274" r:id="rId26"/>
+    <p:sldId id="275" r:id="rId27"/>
+    <p:sldId id="276" r:id="rId28"/>
+    <p:sldId id="277" r:id="rId29"/>
+    <p:sldId id="278" r:id="rId30"/>
+    <p:sldId id="279" r:id="rId31"/>
+    <p:sldId id="280" r:id="rId32"/>
+    <p:sldId id="281" r:id="rId33"/>
+    <p:sldId id="282" r:id="rId34"/>
   </p:sldIdLst>
   <p:sldSz cx="12192000" cy="6858000"/>
   <p:notesSz cx="6858000" cy="9144000"/>
@@ -517,7 +518,7 @@
           <a:p>
             <a:fld id="{4F162202-4602-4A80-AA5A-C601C1519D47}" type="datetimeFigureOut">
               <a:rPr lang="en-GB" smtClean="0"/>
-              <a:t>05/02/2025</a:t>
+              <a:t>16/02/2025</a:t>
             </a:fld>
             <a:endParaRPr lang="en-GB"/>
           </a:p>
@@ -934,6 +935,90 @@
           <a:p>
             <a:fld id="{244EEB75-3A09-4AD9-8A43-BC4C0BC80EFB}" type="slidenum">
               <a:rPr lang="en-GB" smtClean="0"/>
+              <a:t>8</a:t>
+            </a:fld>
+            <a:endParaRPr lang="en-GB"/>
+          </a:p>
+        </p:txBody>
+      </p:sp>
+    </p:spTree>
+    <p:extLst>
+      <p:ext uri="{BB962C8B-B14F-4D97-AF65-F5344CB8AC3E}">
+        <p14:creationId xmlns:p14="http://schemas.microsoft.com/office/powerpoint/2010/main" val="3880268213"/>
+      </p:ext>
+    </p:extLst>
+  </p:cSld>
+  <p:clrMapOvr>
+    <a:masterClrMapping/>
+  </p:clrMapOvr>
+</p:notes>
+</file>
+
+<file path=ppt/notesSlides/notesSlide3.xml><?xml version="1.0" encoding="utf-8"?>
+<p:notes xmlns:a="http://schemas.openxmlformats.org/drawingml/2006/main" xmlns:r="http://schemas.openxmlformats.org/officeDocument/2006/relationships" xmlns:p="http://schemas.openxmlformats.org/presentationml/2006/main">
+  <p:cSld>
+    <p:spTree>
+      <p:nvGrpSpPr>
+        <p:cNvPr id="1" name=""/>
+        <p:cNvGrpSpPr/>
+        <p:nvPr/>
+      </p:nvGrpSpPr>
+      <p:grpSpPr>
+        <a:xfrm>
+          <a:off x="0" y="0"/>
+          <a:ext cx="0" cy="0"/>
+          <a:chOff x="0" y="0"/>
+          <a:chExt cx="0" cy="0"/>
+        </a:xfrm>
+      </p:grpSpPr>
+      <p:sp>
+        <p:nvSpPr>
+          <p:cNvPr id="2" name="Slide Image Placeholder 1"/>
+          <p:cNvSpPr>
+            <a:spLocks noGrp="1" noRot="1" noChangeAspect="1"/>
+          </p:cNvSpPr>
+          <p:nvPr>
+            <p:ph type="sldImg"/>
+          </p:nvPr>
+        </p:nvSpPr>
+        <p:spPr/>
+      </p:sp>
+      <p:sp>
+        <p:nvSpPr>
+          <p:cNvPr id="3" name="Notes Placeholder 2"/>
+          <p:cNvSpPr>
+            <a:spLocks noGrp="1"/>
+          </p:cNvSpPr>
+          <p:nvPr>
+            <p:ph type="body" idx="1"/>
+          </p:nvPr>
+        </p:nvSpPr>
+        <p:spPr/>
+        <p:txBody>
+          <a:bodyPr/>
+          <a:lstStyle/>
+          <a:p>
+            <a:endParaRPr lang="en-GB" dirty="0"/>
+          </a:p>
+        </p:txBody>
+      </p:sp>
+      <p:sp>
+        <p:nvSpPr>
+          <p:cNvPr id="4" name="Slide Number Placeholder 3"/>
+          <p:cNvSpPr>
+            <a:spLocks noGrp="1"/>
+          </p:cNvSpPr>
+          <p:nvPr>
+            <p:ph type="sldNum" sz="quarter" idx="5"/>
+          </p:nvPr>
+        </p:nvSpPr>
+        <p:spPr/>
+        <p:txBody>
+          <a:bodyPr/>
+          <a:lstStyle/>
+          <a:p>
+            <a:fld id="{244EEB75-3A09-4AD9-8A43-BC4C0BC80EFB}" type="slidenum">
+              <a:rPr lang="en-GB" smtClean="0"/>
               <a:t>19</a:t>
             </a:fld>
             <a:endParaRPr lang="en-GB"/>
@@ -1102,7 +1187,7 @@
           <a:p>
             <a:fld id="{AF8979C9-B5CC-471D-815B-CFB8B5F67837}" type="datetimeFigureOut">
               <a:rPr lang="en-GB" smtClean="0"/>
-              <a:t>05/02/2025</a:t>
+              <a:t>16/02/2025</a:t>
             </a:fld>
             <a:endParaRPr lang="en-GB"/>
           </a:p>
@@ -1302,7 +1387,7 @@
           <a:p>
             <a:fld id="{AF8979C9-B5CC-471D-815B-CFB8B5F67837}" type="datetimeFigureOut">
               <a:rPr lang="en-GB" smtClean="0"/>
-              <a:t>05/02/2025</a:t>
+              <a:t>16/02/2025</a:t>
             </a:fld>
             <a:endParaRPr lang="en-GB"/>
           </a:p>
@@ -1512,7 +1597,7 @@
           <a:p>
             <a:fld id="{AF8979C9-B5CC-471D-815B-CFB8B5F67837}" type="datetimeFigureOut">
               <a:rPr lang="en-GB" smtClean="0"/>
-              <a:t>05/02/2025</a:t>
+              <a:t>16/02/2025</a:t>
             </a:fld>
             <a:endParaRPr lang="en-GB"/>
           </a:p>
@@ -1712,7 +1797,7 @@
           <a:p>
             <a:fld id="{AF8979C9-B5CC-471D-815B-CFB8B5F67837}" type="datetimeFigureOut">
               <a:rPr lang="en-GB" smtClean="0"/>
-              <a:t>05/02/2025</a:t>
+              <a:t>16/02/2025</a:t>
             </a:fld>
             <a:endParaRPr lang="en-GB"/>
           </a:p>
@@ -1988,7 +2073,7 @@
           <a:p>
             <a:fld id="{AF8979C9-B5CC-471D-815B-CFB8B5F67837}" type="datetimeFigureOut">
               <a:rPr lang="en-GB" smtClean="0"/>
-              <a:t>05/02/2025</a:t>
+              <a:t>16/02/2025</a:t>
             </a:fld>
             <a:endParaRPr lang="en-GB"/>
           </a:p>
@@ -2256,7 +2341,7 @@
           <a:p>
             <a:fld id="{AF8979C9-B5CC-471D-815B-CFB8B5F67837}" type="datetimeFigureOut">
               <a:rPr lang="en-GB" smtClean="0"/>
-              <a:t>05/02/2025</a:t>
+              <a:t>16/02/2025</a:t>
             </a:fld>
             <a:endParaRPr lang="en-GB"/>
           </a:p>
@@ -2671,7 +2756,7 @@
           <a:p>
             <a:fld id="{AF8979C9-B5CC-471D-815B-CFB8B5F67837}" type="datetimeFigureOut">
               <a:rPr lang="en-GB" smtClean="0"/>
-              <a:t>05/02/2025</a:t>
+              <a:t>16/02/2025</a:t>
             </a:fld>
             <a:endParaRPr lang="en-GB"/>
           </a:p>
@@ -2813,7 +2898,7 @@
           <a:p>
             <a:fld id="{AF8979C9-B5CC-471D-815B-CFB8B5F67837}" type="datetimeFigureOut">
               <a:rPr lang="en-GB" smtClean="0"/>
-              <a:t>05/02/2025</a:t>
+              <a:t>16/02/2025</a:t>
             </a:fld>
             <a:endParaRPr lang="en-GB"/>
           </a:p>
@@ -2926,7 +3011,7 @@
           <a:p>
             <a:fld id="{AF8979C9-B5CC-471D-815B-CFB8B5F67837}" type="datetimeFigureOut">
               <a:rPr lang="en-GB" smtClean="0"/>
-              <a:t>05/02/2025</a:t>
+              <a:t>16/02/2025</a:t>
             </a:fld>
             <a:endParaRPr lang="en-GB"/>
           </a:p>
@@ -3239,7 +3324,7 @@
           <a:p>
             <a:fld id="{AF8979C9-B5CC-471D-815B-CFB8B5F67837}" type="datetimeFigureOut">
               <a:rPr lang="en-GB" smtClean="0"/>
-              <a:t>05/02/2025</a:t>
+              <a:t>16/02/2025</a:t>
             </a:fld>
             <a:endParaRPr lang="en-GB"/>
           </a:p>
@@ -3528,7 +3613,7 @@
           <a:p>
             <a:fld id="{AF8979C9-B5CC-471D-815B-CFB8B5F67837}" type="datetimeFigureOut">
               <a:rPr lang="en-GB" smtClean="0"/>
-              <a:t>05/02/2025</a:t>
+              <a:t>16/02/2025</a:t>
             </a:fld>
             <a:endParaRPr lang="en-GB"/>
           </a:p>
@@ -3771,7 +3856,7 @@
           <a:p>
             <a:fld id="{AF8979C9-B5CC-471D-815B-CFB8B5F67837}" type="datetimeFigureOut">
               <a:rPr lang="en-GB" smtClean="0"/>
-              <a:t>05/02/2025</a:t>
+              <a:t>16/02/2025</a:t>
             </a:fld>
             <a:endParaRPr lang="en-GB"/>
           </a:p>
@@ -4330,7 +4415,7 @@
           <p:cNvPr id="2" name="Title 1">
             <a:extLst>
               <a:ext uri="{FF2B5EF4-FFF2-40B4-BE49-F238E27FC236}">
-                <a16:creationId xmlns:a16="http://schemas.microsoft.com/office/drawing/2014/main" id="{BFBBDBF7-1CD0-616B-F0EB-152EEBBEDFB5}"/>
+                <a16:creationId xmlns:a16="http://schemas.microsoft.com/office/drawing/2014/main" id="{D373B131-D232-5C4D-1F7C-E08F5A893D20}"/>
               </a:ext>
             </a:extLst>
           </p:cNvPr>
@@ -4347,44 +4432,199 @@
           <a:lstStyle/>
           <a:p>
             <a:r>
-              <a:rPr lang="en-GB" dirty="0">
-                <a:latin typeface="Times New Roman" panose="02020603050405020304" pitchFamily="18" charset="0"/>
-                <a:cs typeface="Times New Roman" panose="02020603050405020304" pitchFamily="18" charset="0"/>
-              </a:rPr>
-              <a:t>Data Transformation</a:t>
-            </a:r>
-          </a:p>
-        </p:txBody>
-      </p:sp>
-      <p:sp>
-        <p:nvSpPr>
-          <p:cNvPr id="3" name="Content Placeholder 2">
-            <a:extLst>
-              <a:ext uri="{FF2B5EF4-FFF2-40B4-BE49-F238E27FC236}">
-                <a16:creationId xmlns:a16="http://schemas.microsoft.com/office/drawing/2014/main" id="{6E9D3B52-9459-647A-9D48-6E9866682DC5}"/>
-              </a:ext>
-            </a:extLst>
-          </p:cNvPr>
-          <p:cNvSpPr>
-            <a:spLocks noGrp="1"/>
-          </p:cNvSpPr>
-          <p:nvPr>
-            <p:ph idx="1"/>
-          </p:nvPr>
-        </p:nvSpPr>
-        <p:spPr/>
-        <p:txBody>
-          <a:bodyPr/>
-          <a:lstStyle/>
-          <a:p>
-            <a:endParaRPr lang="en-GB"/>
+              <a:rPr lang="en-US" dirty="0"/>
+              <a:t>Handling Missing Data</a:t>
+            </a:r>
+            <a:endParaRPr lang="en-GB" dirty="0"/>
+          </a:p>
+        </p:txBody>
+      </p:sp>
+      <p:pic>
+        <p:nvPicPr>
+          <p:cNvPr id="5" name="Picture 4">
+            <a:extLst>
+              <a:ext uri="{FF2B5EF4-FFF2-40B4-BE49-F238E27FC236}">
+                <a16:creationId xmlns:a16="http://schemas.microsoft.com/office/drawing/2014/main" id="{F674FD2D-1F27-C9F4-3671-42C3B802BB63}"/>
+              </a:ext>
+            </a:extLst>
+          </p:cNvPr>
+          <p:cNvPicPr>
+            <a:picLocks noChangeAspect="1"/>
+          </p:cNvPicPr>
+          <p:nvPr/>
+        </p:nvPicPr>
+        <p:blipFill>
+          <a:blip r:embed="rId2"/>
+          <a:stretch>
+            <a:fillRect/>
+          </a:stretch>
+        </p:blipFill>
+        <p:spPr>
+          <a:xfrm>
+            <a:off x="1239794" y="1690688"/>
+            <a:ext cx="4453932" cy="2722850"/>
+          </a:xfrm>
+          <a:prstGeom prst="rect">
+            <a:avLst/>
+          </a:prstGeom>
+        </p:spPr>
+      </p:pic>
+      <p:pic>
+        <p:nvPicPr>
+          <p:cNvPr id="7" name="Picture 6">
+            <a:extLst>
+              <a:ext uri="{FF2B5EF4-FFF2-40B4-BE49-F238E27FC236}">
+                <a16:creationId xmlns:a16="http://schemas.microsoft.com/office/drawing/2014/main" id="{C234BC64-3E32-C932-58AC-F98796094219}"/>
+              </a:ext>
+            </a:extLst>
+          </p:cNvPr>
+          <p:cNvPicPr>
+            <a:picLocks noChangeAspect="1"/>
+          </p:cNvPicPr>
+          <p:nvPr/>
+        </p:nvPicPr>
+        <p:blipFill>
+          <a:blip r:embed="rId3"/>
+          <a:stretch>
+            <a:fillRect/>
+          </a:stretch>
+        </p:blipFill>
+        <p:spPr>
+          <a:xfrm>
+            <a:off x="7019656" y="1689763"/>
+            <a:ext cx="3932550" cy="2723775"/>
+          </a:xfrm>
+          <a:prstGeom prst="rect">
+            <a:avLst/>
+          </a:prstGeom>
+        </p:spPr>
+      </p:pic>
+      <p:cxnSp>
+        <p:nvCxnSpPr>
+          <p:cNvPr id="9" name="Straight Connector 8">
+            <a:extLst>
+              <a:ext uri="{FF2B5EF4-FFF2-40B4-BE49-F238E27FC236}">
+                <a16:creationId xmlns:a16="http://schemas.microsoft.com/office/drawing/2014/main" id="{9D9C272A-B31E-A6C1-ABBC-2AFDCCB1F2F0}"/>
+              </a:ext>
+            </a:extLst>
+          </p:cNvPr>
+          <p:cNvCxnSpPr>
+            <a:cxnSpLocks/>
+          </p:cNvCxnSpPr>
+          <p:nvPr/>
+        </p:nvCxnSpPr>
+        <p:spPr>
+          <a:xfrm>
+            <a:off x="6324600" y="1690688"/>
+            <a:ext cx="0" cy="4545012"/>
+          </a:xfrm>
+          <a:prstGeom prst="line">
+            <a:avLst/>
+          </a:prstGeom>
+        </p:spPr>
+        <p:style>
+          <a:lnRef idx="2">
+            <a:schemeClr val="accent1"/>
+          </a:lnRef>
+          <a:fillRef idx="0">
+            <a:schemeClr val="accent1"/>
+          </a:fillRef>
+          <a:effectRef idx="1">
+            <a:schemeClr val="accent1"/>
+          </a:effectRef>
+          <a:fontRef idx="minor">
+            <a:schemeClr val="tx1"/>
+          </a:fontRef>
+        </p:style>
+      </p:cxnSp>
+      <p:sp>
+        <p:nvSpPr>
+          <p:cNvPr id="10" name="TextBox 9">
+            <a:extLst>
+              <a:ext uri="{FF2B5EF4-FFF2-40B4-BE49-F238E27FC236}">
+                <a16:creationId xmlns:a16="http://schemas.microsoft.com/office/drawing/2014/main" id="{5FEFDDCB-7DEF-8DC1-1727-02B4957EF519}"/>
+              </a:ext>
+            </a:extLst>
+          </p:cNvPr>
+          <p:cNvSpPr txBox="1"/>
+          <p:nvPr/>
+        </p:nvSpPr>
+        <p:spPr>
+          <a:xfrm>
+            <a:off x="1239794" y="4866571"/>
+            <a:ext cx="4389751" cy="923330"/>
+          </a:xfrm>
+          <a:prstGeom prst="rect">
+            <a:avLst/>
+          </a:prstGeom>
+          <a:noFill/>
+        </p:spPr>
+        <p:txBody>
+          <a:bodyPr wrap="square" rtlCol="0">
+            <a:spAutoFit/>
+          </a:bodyPr>
+          <a:lstStyle/>
+          <a:p>
+            <a:r>
+              <a:rPr lang="en-US" dirty="0">
+                <a:latin typeface="Times New Roman" panose="02020603050405020304" pitchFamily="18" charset="0"/>
+                <a:cs typeface="Times New Roman" panose="02020603050405020304" pitchFamily="18" charset="0"/>
+              </a:rPr>
+              <a:t>Handled Glucose, Blood Pressure and BMI by dropping the null/0 instances since % is below 10.</a:t>
+            </a:r>
+            <a:endParaRPr lang="en-GB" dirty="0">
+              <a:latin typeface="Times New Roman" panose="02020603050405020304" pitchFamily="18" charset="0"/>
+              <a:cs typeface="Times New Roman" panose="02020603050405020304" pitchFamily="18" charset="0"/>
+            </a:endParaRPr>
+          </a:p>
+        </p:txBody>
+      </p:sp>
+      <p:sp>
+        <p:nvSpPr>
+          <p:cNvPr id="11" name="TextBox 10">
+            <a:extLst>
+              <a:ext uri="{FF2B5EF4-FFF2-40B4-BE49-F238E27FC236}">
+                <a16:creationId xmlns:a16="http://schemas.microsoft.com/office/drawing/2014/main" id="{0195A758-BBAA-2758-AA38-1B5691E1814E}"/>
+              </a:ext>
+            </a:extLst>
+          </p:cNvPr>
+          <p:cNvSpPr txBox="1"/>
+          <p:nvPr/>
+        </p:nvSpPr>
+        <p:spPr>
+          <a:xfrm>
+            <a:off x="7019656" y="4866571"/>
+            <a:ext cx="4389751" cy="1200329"/>
+          </a:xfrm>
+          <a:prstGeom prst="rect">
+            <a:avLst/>
+          </a:prstGeom>
+          <a:noFill/>
+        </p:spPr>
+        <p:txBody>
+          <a:bodyPr wrap="square" rtlCol="0">
+            <a:spAutoFit/>
+          </a:bodyPr>
+          <a:lstStyle/>
+          <a:p>
+            <a:r>
+              <a:rPr lang="en-US" dirty="0">
+                <a:latin typeface="Times New Roman" panose="02020603050405020304" pitchFamily="18" charset="0"/>
+                <a:cs typeface="Times New Roman" panose="02020603050405020304" pitchFamily="18" charset="0"/>
+              </a:rPr>
+              <a:t>Handled Pregnancies, Skin Thickness and Insulin with median since there were outliers for these features on boxplot so mean would skew data when giving diagnosis.</a:t>
+            </a:r>
+            <a:endParaRPr lang="en-GB" dirty="0">
+              <a:latin typeface="Times New Roman" panose="02020603050405020304" pitchFamily="18" charset="0"/>
+              <a:cs typeface="Times New Roman" panose="02020603050405020304" pitchFamily="18" charset="0"/>
+            </a:endParaRPr>
           </a:p>
         </p:txBody>
       </p:sp>
     </p:spTree>
     <p:extLst>
       <p:ext uri="{BB962C8B-B14F-4D97-AF65-F5344CB8AC3E}">
-        <p14:creationId xmlns:p14="http://schemas.microsoft.com/office/powerpoint/2010/main" val="3101783173"/>
+        <p14:creationId xmlns:p14="http://schemas.microsoft.com/office/powerpoint/2010/main" val="2007604586"/>
       </p:ext>
     </p:extLst>
   </p:cSld>
@@ -4416,7 +4656,7 @@
           <p:cNvPr id="2" name="Title 1">
             <a:extLst>
               <a:ext uri="{FF2B5EF4-FFF2-40B4-BE49-F238E27FC236}">
-                <a16:creationId xmlns:a16="http://schemas.microsoft.com/office/drawing/2014/main" id="{537E5F06-0942-4ACB-E769-C07E0E80EE60}"/>
+                <a16:creationId xmlns:a16="http://schemas.microsoft.com/office/drawing/2014/main" id="{1DC6D141-E962-B9D0-AF51-CF8BB5DD1B65}"/>
               </a:ext>
             </a:extLst>
           </p:cNvPr>
@@ -4433,12 +4673,10 @@
           <a:lstStyle/>
           <a:p>
             <a:r>
-              <a:rPr lang="en-GB" dirty="0">
-                <a:latin typeface="Times New Roman" panose="02020603050405020304" pitchFamily="18" charset="0"/>
-                <a:cs typeface="Times New Roman" panose="02020603050405020304" pitchFamily="18" charset="0"/>
-              </a:rPr>
-              <a:t>Data Reduction</a:t>
-            </a:r>
+              <a:rPr lang="en-US" dirty="0"/>
+              <a:t>Handling the outliers</a:t>
+            </a:r>
+            <a:endParaRPr lang="en-GB" dirty="0"/>
           </a:p>
         </p:txBody>
       </p:sp>
@@ -4447,7 +4685,7 @@
           <p:cNvPr id="3" name="Content Placeholder 2">
             <a:extLst>
               <a:ext uri="{FF2B5EF4-FFF2-40B4-BE49-F238E27FC236}">
-                <a16:creationId xmlns:a16="http://schemas.microsoft.com/office/drawing/2014/main" id="{15AD1405-6DD0-7521-3B6C-6DD98B2BBBF4}"/>
+                <a16:creationId xmlns:a16="http://schemas.microsoft.com/office/drawing/2014/main" id="{ED2F0296-81A2-D3D2-6886-39ADA4D8FDF7}"/>
               </a:ext>
             </a:extLst>
           </p:cNvPr>
@@ -4458,19 +4696,214 @@
             <p:ph idx="1"/>
           </p:nvPr>
         </p:nvSpPr>
-        <p:spPr/>
-        <p:txBody>
-          <a:bodyPr/>
-          <a:lstStyle/>
-          <a:p>
-            <a:endParaRPr lang="en-GB"/>
+        <p:spPr>
+          <a:xfrm>
+            <a:off x="8789162" y="1666252"/>
+            <a:ext cx="3211462" cy="3982400"/>
+          </a:xfrm>
+        </p:spPr>
+        <p:txBody>
+          <a:bodyPr>
+            <a:noAutofit/>
+          </a:bodyPr>
+          <a:lstStyle/>
+          <a:p>
+            <a:pPr marL="0" indent="0">
+              <a:buNone/>
+            </a:pPr>
+            <a:r>
+              <a:rPr lang="en-US" sz="2000" dirty="0">
+                <a:latin typeface="Times New Roman" panose="02020603050405020304" pitchFamily="18" charset="0"/>
+                <a:cs typeface="Times New Roman" panose="02020603050405020304" pitchFamily="18" charset="0"/>
+              </a:rPr>
+              <a:t>Pregnancies, Blood Pressure, BMI and Insulin were identified with outliers. </a:t>
+            </a:r>
+          </a:p>
+          <a:p>
+            <a:pPr marL="0" indent="0">
+              <a:buNone/>
+            </a:pPr>
+            <a:endParaRPr lang="en-US" sz="2000" dirty="0">
+              <a:latin typeface="Times New Roman" panose="02020603050405020304" pitchFamily="18" charset="0"/>
+              <a:cs typeface="Times New Roman" panose="02020603050405020304" pitchFamily="18" charset="0"/>
+            </a:endParaRPr>
+          </a:p>
+          <a:p>
+            <a:pPr marL="0" indent="0">
+              <a:buNone/>
+            </a:pPr>
+            <a:r>
+              <a:rPr lang="en-US" sz="2000" dirty="0">
+                <a:latin typeface="Times New Roman" panose="02020603050405020304" pitchFamily="18" charset="0"/>
+                <a:cs typeface="Times New Roman" panose="02020603050405020304" pitchFamily="18" charset="0"/>
+              </a:rPr>
+              <a:t>Using Interquartile range to handle the outliers as it avoids extreme sensitivity to outliers that can cause the mean to shift. Unlike z-score (which is still available in the code to test) that is more suitable for normally distributed data</a:t>
+            </a:r>
+            <a:endParaRPr lang="en-GB" sz="2000" dirty="0">
+              <a:latin typeface="Times New Roman" panose="02020603050405020304" pitchFamily="18" charset="0"/>
+              <a:cs typeface="Times New Roman" panose="02020603050405020304" pitchFamily="18" charset="0"/>
+            </a:endParaRPr>
+          </a:p>
+        </p:txBody>
+      </p:sp>
+      <p:pic>
+        <p:nvPicPr>
+          <p:cNvPr id="6" name="Picture 5" descr="A graph of a graph&#10;&#10;AI-generated content may be incorrect.">
+            <a:extLst>
+              <a:ext uri="{FF2B5EF4-FFF2-40B4-BE49-F238E27FC236}">
+                <a16:creationId xmlns:a16="http://schemas.microsoft.com/office/drawing/2014/main" id="{E1E89B65-A6EF-2103-2E35-BA7D1DB5AC04}"/>
+              </a:ext>
+            </a:extLst>
+          </p:cNvPr>
+          <p:cNvPicPr>
+            <a:picLocks noChangeAspect="1"/>
+          </p:cNvPicPr>
+          <p:nvPr/>
+        </p:nvPicPr>
+        <p:blipFill>
+          <a:blip r:embed="rId2">
+            <a:extLst>
+              <a:ext uri="{28A0092B-C50C-407E-A947-70E740481C1C}">
+                <a14:useLocalDpi xmlns:a14="http://schemas.microsoft.com/office/drawing/2010/main" val="0"/>
+              </a:ext>
+            </a:extLst>
+          </a:blip>
+          <a:srcRect l="7425" t="10323" r="8004" b="7096"/>
+          <a:stretch/>
+        </p:blipFill>
+        <p:spPr>
+          <a:xfrm>
+            <a:off x="4446987" y="1519766"/>
+            <a:ext cx="4342175" cy="4275372"/>
+          </a:xfrm>
+          <a:prstGeom prst="rect">
+            <a:avLst/>
+          </a:prstGeom>
+        </p:spPr>
+      </p:pic>
+      <p:pic>
+        <p:nvPicPr>
+          <p:cNvPr id="8" name="Picture 7" descr="A diagram of a graph&#10;&#10;AI-generated content may be incorrect.">
+            <a:extLst>
+              <a:ext uri="{FF2B5EF4-FFF2-40B4-BE49-F238E27FC236}">
+                <a16:creationId xmlns:a16="http://schemas.microsoft.com/office/drawing/2014/main" id="{3DA8DE30-8B6B-2117-F35B-C479A967EDD2}"/>
+              </a:ext>
+            </a:extLst>
+          </p:cNvPr>
+          <p:cNvPicPr>
+            <a:picLocks noChangeAspect="1"/>
+          </p:cNvPicPr>
+          <p:nvPr/>
+        </p:nvPicPr>
+        <p:blipFill>
+          <a:blip r:embed="rId3">
+            <a:extLst>
+              <a:ext uri="{28A0092B-C50C-407E-A947-70E740481C1C}">
+                <a14:useLocalDpi xmlns:a14="http://schemas.microsoft.com/office/drawing/2010/main" val="0"/>
+              </a:ext>
+            </a:extLst>
+          </a:blip>
+          <a:srcRect l="7450" t="8010" r="7979" b="6615"/>
+          <a:stretch/>
+        </p:blipFill>
+        <p:spPr>
+          <a:xfrm>
+            <a:off x="219996" y="1499190"/>
+            <a:ext cx="4226991" cy="4302860"/>
+          </a:xfrm>
+          <a:prstGeom prst="rect">
+            <a:avLst/>
+          </a:prstGeom>
+        </p:spPr>
+      </p:pic>
+      <p:sp>
+        <p:nvSpPr>
+          <p:cNvPr id="9" name="TextBox 8">
+            <a:extLst>
+              <a:ext uri="{FF2B5EF4-FFF2-40B4-BE49-F238E27FC236}">
+                <a16:creationId xmlns:a16="http://schemas.microsoft.com/office/drawing/2014/main" id="{48445910-AEEF-BA1F-815A-CC1F8D16EBFA}"/>
+              </a:ext>
+            </a:extLst>
+          </p:cNvPr>
+          <p:cNvSpPr txBox="1"/>
+          <p:nvPr/>
+        </p:nvSpPr>
+        <p:spPr>
+          <a:xfrm>
+            <a:off x="1916389" y="6100997"/>
+            <a:ext cx="834203" cy="369332"/>
+          </a:xfrm>
+          <a:prstGeom prst="rect">
+            <a:avLst/>
+          </a:prstGeom>
+          <a:noFill/>
+        </p:spPr>
+        <p:txBody>
+          <a:bodyPr wrap="none" rtlCol="0">
+            <a:spAutoFit/>
+          </a:bodyPr>
+          <a:lstStyle/>
+          <a:p>
+            <a:r>
+              <a:rPr lang="en-US" dirty="0">
+                <a:latin typeface="Times New Roman" panose="02020603050405020304" pitchFamily="18" charset="0"/>
+                <a:cs typeface="Times New Roman" panose="02020603050405020304" pitchFamily="18" charset="0"/>
+              </a:rPr>
+              <a:t>Before</a:t>
+            </a:r>
+            <a:endParaRPr lang="en-GB" dirty="0">
+              <a:latin typeface="Times New Roman" panose="02020603050405020304" pitchFamily="18" charset="0"/>
+              <a:cs typeface="Times New Roman" panose="02020603050405020304" pitchFamily="18" charset="0"/>
+            </a:endParaRPr>
+          </a:p>
+        </p:txBody>
+      </p:sp>
+      <p:sp>
+        <p:nvSpPr>
+          <p:cNvPr id="10" name="TextBox 9">
+            <a:extLst>
+              <a:ext uri="{FF2B5EF4-FFF2-40B4-BE49-F238E27FC236}">
+                <a16:creationId xmlns:a16="http://schemas.microsoft.com/office/drawing/2014/main" id="{30D82E7F-849C-865E-8570-40C7C8914D5E}"/>
+              </a:ext>
+            </a:extLst>
+          </p:cNvPr>
+          <p:cNvSpPr txBox="1"/>
+          <p:nvPr/>
+        </p:nvSpPr>
+        <p:spPr>
+          <a:xfrm>
+            <a:off x="6282084" y="6100997"/>
+            <a:ext cx="671979" cy="369332"/>
+          </a:xfrm>
+          <a:prstGeom prst="rect">
+            <a:avLst/>
+          </a:prstGeom>
+          <a:noFill/>
+        </p:spPr>
+        <p:txBody>
+          <a:bodyPr wrap="none" rtlCol="0">
+            <a:spAutoFit/>
+          </a:bodyPr>
+          <a:lstStyle/>
+          <a:p>
+            <a:r>
+              <a:rPr lang="en-US" dirty="0">
+                <a:latin typeface="Times New Roman" panose="02020603050405020304" pitchFamily="18" charset="0"/>
+                <a:cs typeface="Times New Roman" panose="02020603050405020304" pitchFamily="18" charset="0"/>
+              </a:rPr>
+              <a:t>After</a:t>
+            </a:r>
+            <a:endParaRPr lang="en-GB" dirty="0">
+              <a:latin typeface="Times New Roman" panose="02020603050405020304" pitchFamily="18" charset="0"/>
+              <a:cs typeface="Times New Roman" panose="02020603050405020304" pitchFamily="18" charset="0"/>
+            </a:endParaRPr>
           </a:p>
         </p:txBody>
       </p:sp>
     </p:spTree>
     <p:extLst>
       <p:ext uri="{BB962C8B-B14F-4D97-AF65-F5344CB8AC3E}">
-        <p14:creationId xmlns:p14="http://schemas.microsoft.com/office/powerpoint/2010/main" val="3948345794"/>
+        <p14:creationId xmlns:p14="http://schemas.microsoft.com/office/powerpoint/2010/main" val="111316726"/>
       </p:ext>
     </p:extLst>
   </p:cSld>
@@ -4502,7 +4935,7 @@
           <p:cNvPr id="2" name="Title 1">
             <a:extLst>
               <a:ext uri="{FF2B5EF4-FFF2-40B4-BE49-F238E27FC236}">
-                <a16:creationId xmlns:a16="http://schemas.microsoft.com/office/drawing/2014/main" id="{C8FF77BC-5A1F-DDB8-1412-FA441F96667F}"/>
+                <a16:creationId xmlns:a16="http://schemas.microsoft.com/office/drawing/2014/main" id="{BFBBDBF7-1CD0-616B-F0EB-152EEBBEDFB5}"/>
               </a:ext>
             </a:extLst>
           </p:cNvPr>
@@ -4520,9 +4953,125 @@
           <a:p>
             <a:r>
               <a:rPr lang="en-GB" dirty="0">
-                <a:latin typeface="Jumping Unicorn" panose="02000600000000000000" pitchFamily="2" charset="0"/>
-              </a:rPr>
-              <a:t>Machine Learning Models</a:t>
+                <a:cs typeface="Times New Roman" panose="02020603050405020304" pitchFamily="18" charset="0"/>
+              </a:rPr>
+              <a:t>Data Standardisation</a:t>
+            </a:r>
+          </a:p>
+        </p:txBody>
+      </p:sp>
+      <p:sp>
+        <p:nvSpPr>
+          <p:cNvPr id="3" name="Content Placeholder 2">
+            <a:extLst>
+              <a:ext uri="{FF2B5EF4-FFF2-40B4-BE49-F238E27FC236}">
+                <a16:creationId xmlns:a16="http://schemas.microsoft.com/office/drawing/2014/main" id="{6E9D3B52-9459-647A-9D48-6E9866682DC5}"/>
+              </a:ext>
+            </a:extLst>
+          </p:cNvPr>
+          <p:cNvSpPr>
+            <a:spLocks noGrp="1"/>
+          </p:cNvSpPr>
+          <p:nvPr>
+            <p:ph idx="1"/>
+          </p:nvPr>
+        </p:nvSpPr>
+        <p:spPr>
+          <a:xfrm>
+            <a:off x="838200" y="1825625"/>
+            <a:ext cx="10515600" cy="4811658"/>
+          </a:xfrm>
+        </p:spPr>
+        <p:txBody>
+          <a:bodyPr>
+            <a:normAutofit fontScale="92500" lnSpcReduction="20000"/>
+          </a:bodyPr>
+          <a:lstStyle/>
+          <a:p>
+            <a:pPr marL="0" indent="0">
+              <a:buNone/>
+            </a:pPr>
+            <a:r>
+              <a:rPr lang="en-US" dirty="0">
+                <a:latin typeface="Times New Roman" panose="02020603050405020304" pitchFamily="18" charset="0"/>
+                <a:cs typeface="Times New Roman" panose="02020603050405020304" pitchFamily="18" charset="0"/>
+              </a:rPr>
+              <a:t>The data, when implemented for the models will have 2 versions:</a:t>
+            </a:r>
+          </a:p>
+          <a:p>
+            <a:pPr marL="514350" indent="-514350">
+              <a:buAutoNum type="arabicPeriod"/>
+            </a:pPr>
+            <a:r>
+              <a:rPr lang="en-US" dirty="0">
+                <a:latin typeface="Times New Roman" panose="02020603050405020304" pitchFamily="18" charset="0"/>
+                <a:cs typeface="Times New Roman" panose="02020603050405020304" pitchFamily="18" charset="0"/>
+              </a:rPr>
+              <a:t>Standardised</a:t>
+            </a:r>
+          </a:p>
+          <a:p>
+            <a:pPr marL="514350" indent="-514350">
+              <a:buAutoNum type="arabicPeriod"/>
+            </a:pPr>
+            <a:r>
+              <a:rPr lang="en-US" dirty="0">
+                <a:latin typeface="Times New Roman" panose="02020603050405020304" pitchFamily="18" charset="0"/>
+                <a:cs typeface="Times New Roman" panose="02020603050405020304" pitchFamily="18" charset="0"/>
+              </a:rPr>
+              <a:t>Non-Standardised</a:t>
+            </a:r>
+          </a:p>
+          <a:p>
+            <a:pPr marL="0" indent="0">
+              <a:buNone/>
+            </a:pPr>
+            <a:r>
+              <a:rPr lang="en-GB" b="1" u="sng" dirty="0">
+                <a:latin typeface="Times New Roman" panose="02020603050405020304" pitchFamily="18" charset="0"/>
+                <a:cs typeface="Times New Roman" panose="02020603050405020304" pitchFamily="18" charset="0"/>
+              </a:rPr>
+              <a:t>Why?</a:t>
+            </a:r>
+          </a:p>
+          <a:p>
+            <a:pPr>
+              <a:buFontTx/>
+              <a:buChar char="-"/>
+            </a:pPr>
+            <a:r>
+              <a:rPr lang="en-GB" dirty="0">
+                <a:latin typeface="Times New Roman" panose="02020603050405020304" pitchFamily="18" charset="0"/>
+                <a:cs typeface="Times New Roman" panose="02020603050405020304" pitchFamily="18" charset="0"/>
+              </a:rPr>
+              <a:t>Logistic regression: needs standardisation due to coefficients that are affected by the scale of features. It ensures that all the features are on a comparable scale to improve the model’s performance</a:t>
+            </a:r>
+          </a:p>
+          <a:p>
+            <a:pPr>
+              <a:buFontTx/>
+              <a:buChar char="-"/>
+            </a:pPr>
+            <a:r>
+              <a:rPr lang="en-GB" dirty="0">
+                <a:latin typeface="Times New Roman" panose="02020603050405020304" pitchFamily="18" charset="0"/>
+                <a:cs typeface="Times New Roman" panose="02020603050405020304" pitchFamily="18" charset="0"/>
+              </a:rPr>
+              <a:t>Random Forest: this is a tree-based model and therefore isn’t affected by scaling so there’s no advantage in doing so</a:t>
+            </a:r>
+          </a:p>
+          <a:p>
+            <a:pPr>
+              <a:buFontTx/>
+              <a:buChar char="-"/>
+            </a:pPr>
+            <a:r>
+              <a:rPr lang="en-GB" dirty="0">
+                <a:latin typeface="Times New Roman" panose="02020603050405020304" pitchFamily="18" charset="0"/>
+                <a:cs typeface="Times New Roman" panose="02020603050405020304" pitchFamily="18" charset="0"/>
+              </a:rPr>
+              <a:t>Gradient Boosting: while also tree based, they’re build sequentially and therefore uses gradients to minimise the loss. When on different scales, the gradient calculations might not be as effective and so standardising the data makes sure the algorithm treats the features equally. Making it faster and more efficient. </a:t>
             </a:r>
           </a:p>
         </p:txBody>
@@ -4530,7 +5079,7 @@
     </p:spTree>
     <p:extLst>
       <p:ext uri="{BB962C8B-B14F-4D97-AF65-F5344CB8AC3E}">
-        <p14:creationId xmlns:p14="http://schemas.microsoft.com/office/powerpoint/2010/main" val="4170179673"/>
+        <p14:creationId xmlns:p14="http://schemas.microsoft.com/office/powerpoint/2010/main" val="3101783173"/>
       </p:ext>
     </p:extLst>
   </p:cSld>
@@ -4562,7 +5111,7 @@
           <p:cNvPr id="2" name="Title 1">
             <a:extLst>
               <a:ext uri="{FF2B5EF4-FFF2-40B4-BE49-F238E27FC236}">
-                <a16:creationId xmlns:a16="http://schemas.microsoft.com/office/drawing/2014/main" id="{AB2D2C82-8590-1FC9-D413-811E2CF3B44A}"/>
+                <a16:creationId xmlns:a16="http://schemas.microsoft.com/office/drawing/2014/main" id="{C8FF77BC-5A1F-DDB8-1412-FA441F96667F}"/>
               </a:ext>
             </a:extLst>
           </p:cNvPr>
@@ -4582,153 +5131,15 @@
               <a:rPr lang="en-GB" dirty="0">
                 <a:latin typeface="Jumping Unicorn" panose="02000600000000000000" pitchFamily="2" charset="0"/>
               </a:rPr>
-              <a:t>Logistic Regression</a:t>
-            </a:r>
-          </a:p>
-        </p:txBody>
-      </p:sp>
-      <p:sp>
-        <p:nvSpPr>
-          <p:cNvPr id="3" name="Content Placeholder 2">
-            <a:extLst>
-              <a:ext uri="{FF2B5EF4-FFF2-40B4-BE49-F238E27FC236}">
-                <a16:creationId xmlns:a16="http://schemas.microsoft.com/office/drawing/2014/main" id="{13B0DCF2-F516-C70D-02E8-89E1FD622426}"/>
-              </a:ext>
-            </a:extLst>
-          </p:cNvPr>
-          <p:cNvSpPr>
-            <a:spLocks noGrp="1"/>
-          </p:cNvSpPr>
-          <p:nvPr>
-            <p:ph idx="1"/>
-          </p:nvPr>
-        </p:nvSpPr>
-        <p:spPr>
-          <a:xfrm>
-            <a:off x="838200" y="1825625"/>
-            <a:ext cx="5162006" cy="4351338"/>
-          </a:xfrm>
-        </p:spPr>
-        <p:txBody>
-          <a:bodyPr>
-            <a:normAutofit/>
-          </a:bodyPr>
-          <a:lstStyle/>
-          <a:p>
-            <a:pPr marL="0" indent="0">
-              <a:buNone/>
-            </a:pPr>
-            <a:r>
-              <a:rPr lang="en-GB" sz="1800" b="1" u="sng" dirty="0">
-                <a:latin typeface="Times New Roman" panose="02020603050405020304" pitchFamily="18" charset="0"/>
-                <a:cs typeface="Times New Roman" panose="02020603050405020304" pitchFamily="18" charset="0"/>
-              </a:rPr>
-              <a:t>Description:</a:t>
-            </a:r>
-          </a:p>
-          <a:p>
-            <a:r>
-              <a:rPr lang="en-GB" sz="1800" dirty="0">
-                <a:latin typeface="Times New Roman" panose="02020603050405020304" pitchFamily="18" charset="0"/>
-                <a:cs typeface="Times New Roman" panose="02020603050405020304" pitchFamily="18" charset="0"/>
-              </a:rPr>
-              <a:t>A linear model used for binary classification tasks </a:t>
-            </a:r>
-          </a:p>
-          <a:p>
-            <a:pPr lvl="1"/>
-            <a:r>
-              <a:rPr lang="en-GB" sz="1400" dirty="0">
-                <a:latin typeface="Times New Roman" panose="02020603050405020304" pitchFamily="18" charset="0"/>
-                <a:cs typeface="Times New Roman" panose="02020603050405020304" pitchFamily="18" charset="0"/>
-              </a:rPr>
-              <a:t>Diabetes = 1, No Diabetes = 0</a:t>
-            </a:r>
-          </a:p>
-          <a:p>
-            <a:r>
-              <a:rPr lang="en-GB" sz="1800" dirty="0">
-                <a:latin typeface="Times New Roman" panose="02020603050405020304" pitchFamily="18" charset="0"/>
-                <a:cs typeface="Times New Roman" panose="02020603050405020304" pitchFamily="18" charset="0"/>
-              </a:rPr>
-              <a:t>Predicts the probability of an outcome using logistic function</a:t>
-            </a:r>
-          </a:p>
-          <a:p>
-            <a:pPr marL="0" indent="0">
-              <a:buNone/>
-            </a:pPr>
-            <a:r>
-              <a:rPr lang="en-GB" sz="1800" b="1" u="sng" dirty="0">
-                <a:latin typeface="Times New Roman" panose="02020603050405020304" pitchFamily="18" charset="0"/>
-                <a:cs typeface="Times New Roman" panose="02020603050405020304" pitchFamily="18" charset="0"/>
-              </a:rPr>
-              <a:t>Why is it suitable:</a:t>
-            </a:r>
-          </a:p>
-          <a:p>
-            <a:r>
-              <a:rPr lang="en-GB" sz="1800" dirty="0">
-                <a:latin typeface="Times New Roman" panose="02020603050405020304" pitchFamily="18" charset="0"/>
-                <a:cs typeface="Times New Roman" panose="02020603050405020304" pitchFamily="18" charset="0"/>
-              </a:rPr>
-              <a:t>Simple and interpretable making it a good baseline</a:t>
-            </a:r>
-          </a:p>
-          <a:p>
-            <a:r>
-              <a:rPr lang="en-GB" sz="1800" dirty="0">
-                <a:latin typeface="Times New Roman" panose="02020603050405020304" pitchFamily="18" charset="0"/>
-                <a:cs typeface="Times New Roman" panose="02020603050405020304" pitchFamily="18" charset="0"/>
-              </a:rPr>
-              <a:t>Effective for linearly separable data</a:t>
-            </a:r>
-          </a:p>
-          <a:p>
-            <a:r>
-              <a:rPr lang="en-GB" sz="1800" dirty="0">
-                <a:latin typeface="Times New Roman" panose="02020603050405020304" pitchFamily="18" charset="0"/>
-                <a:cs typeface="Times New Roman" panose="02020603050405020304" pitchFamily="18" charset="0"/>
-              </a:rPr>
-              <a:t>Provides insight into feature importance (which features contributes most to diagnosis) through coefficients.</a:t>
-            </a:r>
-          </a:p>
-        </p:txBody>
-      </p:sp>
-      <p:pic>
-        <p:nvPicPr>
-          <p:cNvPr id="5" name="Picture 4">
-            <a:extLst>
-              <a:ext uri="{FF2B5EF4-FFF2-40B4-BE49-F238E27FC236}">
-                <a16:creationId xmlns:a16="http://schemas.microsoft.com/office/drawing/2014/main" id="{7AC548A3-95BF-C9C0-837D-297C681550CA}"/>
-              </a:ext>
-            </a:extLst>
-          </p:cNvPr>
-          <p:cNvPicPr>
-            <a:picLocks noChangeAspect="1"/>
-          </p:cNvPicPr>
-          <p:nvPr/>
-        </p:nvPicPr>
-        <p:blipFill>
-          <a:blip r:embed="rId2"/>
-          <a:stretch>
-            <a:fillRect/>
-          </a:stretch>
-        </p:blipFill>
-        <p:spPr>
-          <a:xfrm>
-            <a:off x="6191796" y="2515826"/>
-            <a:ext cx="5667292" cy="2970935"/>
-          </a:xfrm>
-          <a:prstGeom prst="rect">
-            <a:avLst/>
-          </a:prstGeom>
-        </p:spPr>
-      </p:pic>
+              <a:t>Machine Learning Models</a:t>
+            </a:r>
+          </a:p>
+        </p:txBody>
+      </p:sp>
     </p:spTree>
     <p:extLst>
       <p:ext uri="{BB962C8B-B14F-4D97-AF65-F5344CB8AC3E}">
-        <p14:creationId xmlns:p14="http://schemas.microsoft.com/office/powerpoint/2010/main" val="205306694"/>
+        <p14:creationId xmlns:p14="http://schemas.microsoft.com/office/powerpoint/2010/main" val="4170179673"/>
       </p:ext>
     </p:extLst>
   </p:cSld>
@@ -4760,7 +5171,7 @@
           <p:cNvPr id="2" name="Title 1">
             <a:extLst>
               <a:ext uri="{FF2B5EF4-FFF2-40B4-BE49-F238E27FC236}">
-                <a16:creationId xmlns:a16="http://schemas.microsoft.com/office/drawing/2014/main" id="{A8AA170B-6DA5-107E-C7DD-8D28BDA37476}"/>
+                <a16:creationId xmlns:a16="http://schemas.microsoft.com/office/drawing/2014/main" id="{AB2D2C82-8590-1FC9-D413-811E2CF3B44A}"/>
               </a:ext>
             </a:extLst>
           </p:cNvPr>
@@ -4780,17 +5191,17 @@
               <a:rPr lang="en-GB" dirty="0">
                 <a:latin typeface="Jumping Unicorn" panose="02000600000000000000" pitchFamily="2" charset="0"/>
               </a:rPr>
-              <a:t>Random Forest</a:t>
-            </a:r>
-          </a:p>
-        </p:txBody>
-      </p:sp>
-      <p:sp>
-        <p:nvSpPr>
-          <p:cNvPr id="5" name="Content Placeholder 2">
-            <a:extLst>
-              <a:ext uri="{FF2B5EF4-FFF2-40B4-BE49-F238E27FC236}">
-                <a16:creationId xmlns:a16="http://schemas.microsoft.com/office/drawing/2014/main" id="{D41DD49B-AB9E-681C-7B53-CCF6884E73BA}"/>
+              <a:t>Logistic Regression</a:t>
+            </a:r>
+          </a:p>
+        </p:txBody>
+      </p:sp>
+      <p:sp>
+        <p:nvSpPr>
+          <p:cNvPr id="3" name="Content Placeholder 2">
+            <a:extLst>
+              <a:ext uri="{FF2B5EF4-FFF2-40B4-BE49-F238E27FC236}">
+                <a16:creationId xmlns:a16="http://schemas.microsoft.com/office/drawing/2014/main" id="{13B0DCF2-F516-C70D-02E8-89E1FD622426}"/>
               </a:ext>
             </a:extLst>
           </p:cNvPr>
@@ -4830,7 +5241,17 @@
                 <a:latin typeface="Times New Roman" panose="02020603050405020304" pitchFamily="18" charset="0"/>
                 <a:cs typeface="Times New Roman" panose="02020603050405020304" pitchFamily="18" charset="0"/>
               </a:rPr>
-              <a:t>Ensemble learning methods that builds multiple decision trees and combines their output into the final prediction/diagnosis</a:t>
+              <a:t>A linear model used for binary classification tasks </a:t>
+            </a:r>
+          </a:p>
+          <a:p>
+            <a:pPr lvl="1"/>
+            <a:r>
+              <a:rPr lang="en-GB" sz="1400" dirty="0">
+                <a:latin typeface="Times New Roman" panose="02020603050405020304" pitchFamily="18" charset="0"/>
+                <a:cs typeface="Times New Roman" panose="02020603050405020304" pitchFamily="18" charset="0"/>
+              </a:rPr>
+              <a:t>Diabetes = 1, No Diabetes = 0</a:t>
             </a:r>
           </a:p>
           <a:p>
@@ -4839,7 +5260,7 @@
                 <a:latin typeface="Times New Roman" panose="02020603050405020304" pitchFamily="18" charset="0"/>
                 <a:cs typeface="Times New Roman" panose="02020603050405020304" pitchFamily="18" charset="0"/>
               </a:rPr>
-              <a:t>Using bagging to reduce overfitting</a:t>
+              <a:t>Predicts the probability of an outcome using logistic function</a:t>
             </a:r>
           </a:p>
           <a:p>
@@ -4851,7 +5272,7 @@
                 <a:latin typeface="Times New Roman" panose="02020603050405020304" pitchFamily="18" charset="0"/>
                 <a:cs typeface="Times New Roman" panose="02020603050405020304" pitchFamily="18" charset="0"/>
               </a:rPr>
-              <a:t>Why is it suitable</a:t>
+              <a:t>Why is it suitable:</a:t>
             </a:r>
           </a:p>
           <a:p>
@@ -4860,7 +5281,7 @@
                 <a:latin typeface="Times New Roman" panose="02020603050405020304" pitchFamily="18" charset="0"/>
                 <a:cs typeface="Times New Roman" panose="02020603050405020304" pitchFamily="18" charset="0"/>
               </a:rPr>
-              <a:t>Handles relationships and interactions between features (good for explainability implementation)</a:t>
+              <a:t>Simple and interpretable making it a good baseline</a:t>
             </a:r>
           </a:p>
           <a:p>
@@ -4869,17 +5290,26 @@
                 <a:latin typeface="Times New Roman" panose="02020603050405020304" pitchFamily="18" charset="0"/>
                 <a:cs typeface="Times New Roman" panose="02020603050405020304" pitchFamily="18" charset="0"/>
               </a:rPr>
-              <a:t>Good for handling outliers and missing data (given it works through multiple decision trees to make final decision)</a:t>
+              <a:t>Effective for linearly separable data</a:t>
+            </a:r>
+          </a:p>
+          <a:p>
+            <a:r>
+              <a:rPr lang="en-GB" sz="1800" dirty="0">
+                <a:latin typeface="Times New Roman" panose="02020603050405020304" pitchFamily="18" charset="0"/>
+                <a:cs typeface="Times New Roman" panose="02020603050405020304" pitchFamily="18" charset="0"/>
+              </a:rPr>
+              <a:t>Provides insight into feature importance (which features contributes most to diagnosis) through coefficients.</a:t>
             </a:r>
           </a:p>
         </p:txBody>
       </p:sp>
       <p:pic>
         <p:nvPicPr>
-          <p:cNvPr id="7" name="Picture 6">
-            <a:extLst>
-              <a:ext uri="{FF2B5EF4-FFF2-40B4-BE49-F238E27FC236}">
-                <a16:creationId xmlns:a16="http://schemas.microsoft.com/office/drawing/2014/main" id="{4102497E-DB1C-BF59-B5F2-9F8EC813FAEC}"/>
+          <p:cNvPr id="6" name="Picture 5">
+            <a:extLst>
+              <a:ext uri="{FF2B5EF4-FFF2-40B4-BE49-F238E27FC236}">
+                <a16:creationId xmlns:a16="http://schemas.microsoft.com/office/drawing/2014/main" id="{C6FD1E4E-8304-FB7E-6100-F83060E18DF1}"/>
               </a:ext>
             </a:extLst>
           </p:cNvPr>
@@ -4896,8 +5326,8 @@
         </p:blipFill>
         <p:spPr>
           <a:xfrm>
-            <a:off x="6413671" y="1825625"/>
-            <a:ext cx="5162007" cy="3326262"/>
+            <a:off x="6191794" y="2250977"/>
+            <a:ext cx="5162006" cy="2750464"/>
           </a:xfrm>
           <a:prstGeom prst="rect">
             <a:avLst/>
@@ -4907,7 +5337,7 @@
     </p:spTree>
     <p:extLst>
       <p:ext uri="{BB962C8B-B14F-4D97-AF65-F5344CB8AC3E}">
-        <p14:creationId xmlns:p14="http://schemas.microsoft.com/office/powerpoint/2010/main" val="3360597381"/>
+        <p14:creationId xmlns:p14="http://schemas.microsoft.com/office/powerpoint/2010/main" val="205306694"/>
       </p:ext>
     </p:extLst>
   </p:cSld>
@@ -4939,7 +5369,7 @@
           <p:cNvPr id="2" name="Title 1">
             <a:extLst>
               <a:ext uri="{FF2B5EF4-FFF2-40B4-BE49-F238E27FC236}">
-                <a16:creationId xmlns:a16="http://schemas.microsoft.com/office/drawing/2014/main" id="{116FABF3-11F4-E7BE-80D0-B301672A25DF}"/>
+                <a16:creationId xmlns:a16="http://schemas.microsoft.com/office/drawing/2014/main" id="{A8AA170B-6DA5-107E-C7DD-8D28BDA37476}"/>
               </a:ext>
             </a:extLst>
           </p:cNvPr>
@@ -4959,17 +5389,17 @@
               <a:rPr lang="en-GB" dirty="0">
                 <a:latin typeface="Jumping Unicorn" panose="02000600000000000000" pitchFamily="2" charset="0"/>
               </a:rPr>
-              <a:t>Gradient Boosting Model</a:t>
-            </a:r>
-          </a:p>
-        </p:txBody>
-      </p:sp>
-      <p:sp>
-        <p:nvSpPr>
-          <p:cNvPr id="4" name="Content Placeholder 2">
-            <a:extLst>
-              <a:ext uri="{FF2B5EF4-FFF2-40B4-BE49-F238E27FC236}">
-                <a16:creationId xmlns:a16="http://schemas.microsoft.com/office/drawing/2014/main" id="{CC50FBAF-EA32-DF36-4FC0-859DA39E80F1}"/>
+              <a:t>Random Forest</a:t>
+            </a:r>
+          </a:p>
+        </p:txBody>
+      </p:sp>
+      <p:sp>
+        <p:nvSpPr>
+          <p:cNvPr id="5" name="Content Placeholder 2">
+            <a:extLst>
+              <a:ext uri="{FF2B5EF4-FFF2-40B4-BE49-F238E27FC236}">
+                <a16:creationId xmlns:a16="http://schemas.microsoft.com/office/drawing/2014/main" id="{D41DD49B-AB9E-681C-7B53-CCF6884E73BA}"/>
               </a:ext>
             </a:extLst>
           </p:cNvPr>
@@ -5009,7 +5439,7 @@
                 <a:latin typeface="Times New Roman" panose="02020603050405020304" pitchFamily="18" charset="0"/>
                 <a:cs typeface="Times New Roman" panose="02020603050405020304" pitchFamily="18" charset="0"/>
               </a:rPr>
-              <a:t>Ensemble technique similar to random forest, but builds the trees sequentially</a:t>
+              <a:t>Ensemble learning methods that builds multiple decision trees and combines their output into the final prediction/diagnosis</a:t>
             </a:r>
           </a:p>
           <a:p>
@@ -5018,7 +5448,7 @@
                 <a:latin typeface="Times New Roman" panose="02020603050405020304" pitchFamily="18" charset="0"/>
                 <a:cs typeface="Times New Roman" panose="02020603050405020304" pitchFamily="18" charset="0"/>
               </a:rPr>
-              <a:t>Building sequentially makes it correct errors from previous trees</a:t>
+              <a:t>Using bagging to reduce overfitting</a:t>
             </a:r>
           </a:p>
           <a:p>
@@ -5030,7 +5460,7 @@
                 <a:latin typeface="Times New Roman" panose="02020603050405020304" pitchFamily="18" charset="0"/>
                 <a:cs typeface="Times New Roman" panose="02020603050405020304" pitchFamily="18" charset="0"/>
               </a:rPr>
-              <a:t>Why is it suitable:</a:t>
+              <a:t>Why is it suitable</a:t>
             </a:r>
           </a:p>
           <a:p>
@@ -5039,7 +5469,7 @@
                 <a:latin typeface="Times New Roman" panose="02020603050405020304" pitchFamily="18" charset="0"/>
                 <a:cs typeface="Times New Roman" panose="02020603050405020304" pitchFamily="18" charset="0"/>
               </a:rPr>
-              <a:t>High predictive accuracy</a:t>
+              <a:t>Handles relationships and interactions between features (good for explainability implementation)</a:t>
             </a:r>
           </a:p>
           <a:p>
@@ -5048,26 +5478,17 @@
                 <a:latin typeface="Times New Roman" panose="02020603050405020304" pitchFamily="18" charset="0"/>
                 <a:cs typeface="Times New Roman" panose="02020603050405020304" pitchFamily="18" charset="0"/>
               </a:rPr>
-              <a:t>Handles imbalanced datasets (common in healthcare)</a:t>
-            </a:r>
-          </a:p>
-          <a:p>
-            <a:r>
-              <a:rPr lang="en-GB" sz="1800" dirty="0">
-                <a:latin typeface="Times New Roman" panose="02020603050405020304" pitchFamily="18" charset="0"/>
-                <a:cs typeface="Times New Roman" panose="02020603050405020304" pitchFamily="18" charset="0"/>
-              </a:rPr>
-              <a:t>Offers feature importance and partial dependence plots to help with interpretability</a:t>
+              <a:t>Good for handling outliers and missing data (given it works through multiple decision trees to make final decision)</a:t>
             </a:r>
           </a:p>
         </p:txBody>
       </p:sp>
       <p:pic>
         <p:nvPicPr>
-          <p:cNvPr id="6" name="Picture 5">
-            <a:extLst>
-              <a:ext uri="{FF2B5EF4-FFF2-40B4-BE49-F238E27FC236}">
-                <a16:creationId xmlns:a16="http://schemas.microsoft.com/office/drawing/2014/main" id="{16642150-FB08-6653-7B16-86394648A317}"/>
+          <p:cNvPr id="8" name="Picture 7">
+            <a:extLst>
+              <a:ext uri="{FF2B5EF4-FFF2-40B4-BE49-F238E27FC236}">
+                <a16:creationId xmlns:a16="http://schemas.microsoft.com/office/drawing/2014/main" id="{41C60625-73ED-CDDD-D920-9ED5117A4514}"/>
               </a:ext>
             </a:extLst>
           </p:cNvPr>
@@ -5084,8 +5505,8 @@
         </p:blipFill>
         <p:spPr>
           <a:xfrm>
-            <a:off x="6374674" y="1825625"/>
-            <a:ext cx="5596018" cy="3224117"/>
+            <a:off x="6191796" y="2235211"/>
+            <a:ext cx="5162006" cy="2756537"/>
           </a:xfrm>
           <a:prstGeom prst="rect">
             <a:avLst/>
@@ -5095,7 +5516,7 @@
     </p:spTree>
     <p:extLst>
       <p:ext uri="{BB962C8B-B14F-4D97-AF65-F5344CB8AC3E}">
-        <p14:creationId xmlns:p14="http://schemas.microsoft.com/office/powerpoint/2010/main" val="1928362892"/>
+        <p14:creationId xmlns:p14="http://schemas.microsoft.com/office/powerpoint/2010/main" val="3360597381"/>
       </p:ext>
     </p:extLst>
   </p:cSld>
@@ -5127,7 +5548,7 @@
           <p:cNvPr id="2" name="Title 1">
             <a:extLst>
               <a:ext uri="{FF2B5EF4-FFF2-40B4-BE49-F238E27FC236}">
-                <a16:creationId xmlns:a16="http://schemas.microsoft.com/office/drawing/2014/main" id="{1155ECCA-E20B-D780-6A9B-2D0E1ADB5233}"/>
+                <a16:creationId xmlns:a16="http://schemas.microsoft.com/office/drawing/2014/main" id="{116FABF3-11F4-E7BE-80D0-B301672A25DF}"/>
               </a:ext>
             </a:extLst>
           </p:cNvPr>
@@ -5147,7 +5568,7 @@
               <a:rPr lang="en-GB" dirty="0">
                 <a:latin typeface="Jumping Unicorn" panose="02000600000000000000" pitchFamily="2" charset="0"/>
               </a:rPr>
-              <a:t>Neural Network</a:t>
+              <a:t>Gradient Boosting Model</a:t>
             </a:r>
           </a:p>
         </p:txBody>
@@ -5157,7 +5578,7 @@
           <p:cNvPr id="4" name="Content Placeholder 2">
             <a:extLst>
               <a:ext uri="{FF2B5EF4-FFF2-40B4-BE49-F238E27FC236}">
-                <a16:creationId xmlns:a16="http://schemas.microsoft.com/office/drawing/2014/main" id="{75484C36-8774-3EE4-0B53-1A0BF22C490B}"/>
+                <a16:creationId xmlns:a16="http://schemas.microsoft.com/office/drawing/2014/main" id="{CC50FBAF-EA32-DF36-4FC0-859DA39E80F1}"/>
               </a:ext>
             </a:extLst>
           </p:cNvPr>
@@ -5197,7 +5618,7 @@
                 <a:latin typeface="Times New Roman" panose="02020603050405020304" pitchFamily="18" charset="0"/>
                 <a:cs typeface="Times New Roman" panose="02020603050405020304" pitchFamily="18" charset="0"/>
               </a:rPr>
-              <a:t>Deep learning model inspired by human brain and consists of layers of interconnected nodes</a:t>
+              <a:t>Ensemble technique similar to random forest, but builds the trees sequentially</a:t>
             </a:r>
           </a:p>
           <a:p>
@@ -5206,12 +5627,8 @@
                 <a:latin typeface="Times New Roman" panose="02020603050405020304" pitchFamily="18" charset="0"/>
                 <a:cs typeface="Times New Roman" panose="02020603050405020304" pitchFamily="18" charset="0"/>
               </a:rPr>
-              <a:t>Capable of learning complex patterns in data</a:t>
-            </a:r>
-            <a:endParaRPr lang="en-GB" sz="1800" b="1" u="sng" dirty="0">
-              <a:latin typeface="Times New Roman" panose="02020603050405020304" pitchFamily="18" charset="0"/>
-              <a:cs typeface="Times New Roman" panose="02020603050405020304" pitchFamily="18" charset="0"/>
-            </a:endParaRPr>
+              <a:t>Building sequentially makes it correct errors from previous trees</a:t>
+            </a:r>
           </a:p>
           <a:p>
             <a:pPr marL="0" indent="0">
@@ -5231,7 +5648,7 @@
                 <a:latin typeface="Times New Roman" panose="02020603050405020304" pitchFamily="18" charset="0"/>
                 <a:cs typeface="Times New Roman" panose="02020603050405020304" pitchFamily="18" charset="0"/>
               </a:rPr>
-              <a:t>Can capture intricate relationships in data between features</a:t>
+              <a:t>High predictive accuracy</a:t>
             </a:r>
           </a:p>
           <a:p>
@@ -5240,7 +5657,7 @@
                 <a:latin typeface="Times New Roman" panose="02020603050405020304" pitchFamily="18" charset="0"/>
                 <a:cs typeface="Times New Roman" panose="02020603050405020304" pitchFamily="18" charset="0"/>
               </a:rPr>
-              <a:t>Flexible and scalable to datasets</a:t>
+              <a:t>Handles imbalanced datasets (common in healthcare)</a:t>
             </a:r>
           </a:p>
           <a:p>
@@ -5249,64 +5666,45 @@
                 <a:latin typeface="Times New Roman" panose="02020603050405020304" pitchFamily="18" charset="0"/>
                 <a:cs typeface="Times New Roman" panose="02020603050405020304" pitchFamily="18" charset="0"/>
               </a:rPr>
-              <a:t>Less interpretable however can still be combined with XAI techniques like LIME to explain predictions</a:t>
-            </a:r>
-          </a:p>
-        </p:txBody>
-      </p:sp>
-      <p:sp>
-        <p:nvSpPr>
-          <p:cNvPr id="5" name="TextBox 4">
-            <a:extLst>
-              <a:ext uri="{FF2B5EF4-FFF2-40B4-BE49-F238E27FC236}">
-                <a16:creationId xmlns:a16="http://schemas.microsoft.com/office/drawing/2014/main" id="{BA817F8D-F4FB-D49D-727F-CD699F5D318E}"/>
-              </a:ext>
-            </a:extLst>
-          </p:cNvPr>
-          <p:cNvSpPr txBox="1"/>
+              <a:t>Offers feature importance and partial dependence plots to help with interpretability</a:t>
+            </a:r>
+          </a:p>
+        </p:txBody>
+      </p:sp>
+      <p:pic>
+        <p:nvPicPr>
+          <p:cNvPr id="9" name="Picture 8">
+            <a:extLst>
+              <a:ext uri="{FF2B5EF4-FFF2-40B4-BE49-F238E27FC236}">
+                <a16:creationId xmlns:a16="http://schemas.microsoft.com/office/drawing/2014/main" id="{F5381D3E-2C2C-7868-803A-A1D188360ED7}"/>
+              </a:ext>
+            </a:extLst>
+          </p:cNvPr>
+          <p:cNvPicPr>
+            <a:picLocks noChangeAspect="1"/>
+          </p:cNvPicPr>
           <p:nvPr/>
-        </p:nvSpPr>
+        </p:nvPicPr>
+        <p:blipFill>
+          <a:blip r:embed="rId2"/>
+          <a:stretch>
+            <a:fillRect/>
+          </a:stretch>
+        </p:blipFill>
         <p:spPr>
           <a:xfrm>
-            <a:off x="6923315" y="1825625"/>
-            <a:ext cx="3600000" cy="3600000"/>
+            <a:off x="6240038" y="2266742"/>
+            <a:ext cx="5113762" cy="2756537"/>
           </a:xfrm>
           <a:prstGeom prst="rect">
             <a:avLst/>
           </a:prstGeom>
         </p:spPr>
-        <p:style>
-          <a:lnRef idx="2">
-            <a:schemeClr val="dk1"/>
-          </a:lnRef>
-          <a:fillRef idx="1">
-            <a:schemeClr val="lt1"/>
-          </a:fillRef>
-          <a:effectRef idx="0">
-            <a:schemeClr val="dk1"/>
-          </a:effectRef>
-          <a:fontRef idx="minor">
-            <a:schemeClr val="dk1"/>
-          </a:fontRef>
-        </p:style>
-        <p:txBody>
-          <a:bodyPr wrap="square" rtlCol="0" anchor="ctr">
-            <a:spAutoFit/>
-          </a:bodyPr>
-          <a:lstStyle/>
-          <a:p>
-            <a:pPr algn="ctr"/>
-            <a:r>
-              <a:rPr lang="en-GB" dirty="0"/>
-              <a:t>NOT YET IMPLEMENTED</a:t>
-            </a:r>
-          </a:p>
-        </p:txBody>
-      </p:sp>
+      </p:pic>
     </p:spTree>
     <p:extLst>
       <p:ext uri="{BB962C8B-B14F-4D97-AF65-F5344CB8AC3E}">
-        <p14:creationId xmlns:p14="http://schemas.microsoft.com/office/powerpoint/2010/main" val="2729979987"/>
+        <p14:creationId xmlns:p14="http://schemas.microsoft.com/office/powerpoint/2010/main" val="1928362892"/>
       </p:ext>
     </p:extLst>
   </p:cSld>
@@ -5678,7 +6076,7 @@
         </p:nvSpPr>
         <p:spPr>
           <a:xfrm>
-            <a:off x="838200" y="1825625"/>
+            <a:off x="838200" y="1431487"/>
             <a:ext cx="10515600" cy="4351338"/>
           </a:xfrm>
         </p:spPr>
@@ -5742,10 +6140,10 @@
       </p:sp>
       <p:pic>
         <p:nvPicPr>
-          <p:cNvPr id="10" name="Picture 9">
-            <a:extLst>
-              <a:ext uri="{FF2B5EF4-FFF2-40B4-BE49-F238E27FC236}">
-                <a16:creationId xmlns:a16="http://schemas.microsoft.com/office/drawing/2014/main" id="{FAE28EE7-C94B-6C43-DB09-D2F20FFC6BB5}"/>
+          <p:cNvPr id="7" name="Picture 6">
+            <a:extLst>
+              <a:ext uri="{FF2B5EF4-FFF2-40B4-BE49-F238E27FC236}">
+                <a16:creationId xmlns:a16="http://schemas.microsoft.com/office/drawing/2014/main" id="{9F794BFC-62C3-130F-18A0-861E60F57840}"/>
               </a:ext>
             </a:extLst>
           </p:cNvPr>
@@ -5762,8 +6160,8 @@
         </p:blipFill>
         <p:spPr>
           <a:xfrm>
-            <a:off x="1942991" y="4359336"/>
-            <a:ext cx="8306017" cy="2264288"/>
+            <a:off x="0" y="3826127"/>
+            <a:ext cx="12192000" cy="3031873"/>
           </a:xfrm>
           <a:prstGeom prst="rect">
             <a:avLst/>
@@ -6170,7 +6568,7 @@
         </p:nvSpPr>
         <p:spPr>
           <a:xfrm>
-            <a:off x="838200" y="1825625"/>
+            <a:off x="838200" y="1399957"/>
             <a:ext cx="10515600" cy="4351338"/>
           </a:xfrm>
         </p:spPr>
@@ -6234,10 +6632,10 @@
       </p:sp>
       <p:pic>
         <p:nvPicPr>
-          <p:cNvPr id="4" name="Picture 3">
-            <a:extLst>
-              <a:ext uri="{FF2B5EF4-FFF2-40B4-BE49-F238E27FC236}">
-                <a16:creationId xmlns:a16="http://schemas.microsoft.com/office/drawing/2014/main" id="{95C4D004-9960-3473-AD46-EC0EC40BE82D}"/>
+          <p:cNvPr id="8" name="Picture 7">
+            <a:extLst>
+              <a:ext uri="{FF2B5EF4-FFF2-40B4-BE49-F238E27FC236}">
+                <a16:creationId xmlns:a16="http://schemas.microsoft.com/office/drawing/2014/main" id="{9927382C-2A9B-8577-1CD2-BB54A44DF7B5}"/>
               </a:ext>
             </a:extLst>
           </p:cNvPr>
@@ -6254,8 +6652,8 @@
         </p:blipFill>
         <p:spPr>
           <a:xfrm>
-            <a:off x="2337787" y="4389090"/>
-            <a:ext cx="7739945" cy="2286060"/>
+            <a:off x="0" y="3900347"/>
+            <a:ext cx="12192000" cy="2957653"/>
           </a:xfrm>
           <a:prstGeom prst="rect">
             <a:avLst/>
@@ -6346,7 +6744,7 @@
         </p:nvSpPr>
         <p:spPr>
           <a:xfrm>
-            <a:off x="838200" y="1825625"/>
+            <a:off x="838200" y="1438440"/>
             <a:ext cx="10515600" cy="4351338"/>
           </a:xfrm>
         </p:spPr>
@@ -6410,10 +6808,10 @@
       </p:sp>
       <p:pic>
         <p:nvPicPr>
-          <p:cNvPr id="5" name="Picture 4">
-            <a:extLst>
-              <a:ext uri="{FF2B5EF4-FFF2-40B4-BE49-F238E27FC236}">
-                <a16:creationId xmlns:a16="http://schemas.microsoft.com/office/drawing/2014/main" id="{897E5E16-CE95-375A-954A-FFC0CEA7FDA8}"/>
+          <p:cNvPr id="8" name="Picture 7">
+            <a:extLst>
+              <a:ext uri="{FF2B5EF4-FFF2-40B4-BE49-F238E27FC236}">
+                <a16:creationId xmlns:a16="http://schemas.microsoft.com/office/drawing/2014/main" id="{5B4A775A-7612-E0FB-1373-6CD99768F9EB}"/>
               </a:ext>
             </a:extLst>
           </p:cNvPr>
@@ -6430,8 +6828,8 @@
         </p:blipFill>
         <p:spPr>
           <a:xfrm>
-            <a:off x="2727315" y="4414853"/>
-            <a:ext cx="7712730" cy="2275174"/>
+            <a:off x="0" y="3840087"/>
+            <a:ext cx="12192000" cy="3017913"/>
           </a:xfrm>
           <a:prstGeom prst="rect">
             <a:avLst/>
@@ -6456,13 +6854,7 @@
   <p:cSld>
     <p:spTree>
       <p:nvGrpSpPr>
-        <p:cNvPr id="1" name="">
-          <a:extLst>
-            <a:ext uri="{FF2B5EF4-FFF2-40B4-BE49-F238E27FC236}">
-              <a16:creationId xmlns:a16="http://schemas.microsoft.com/office/drawing/2014/main" id="{5E4D102B-3093-23E1-D0AE-166AA22683F2}"/>
-            </a:ext>
-          </a:extLst>
-        </p:cNvPr>
+        <p:cNvPr id="1" name=""/>
         <p:cNvGrpSpPr/>
         <p:nvPr/>
       </p:nvGrpSpPr>
@@ -6479,7 +6871,7 @@
           <p:cNvPr id="2" name="Title 1">
             <a:extLst>
               <a:ext uri="{FF2B5EF4-FFF2-40B4-BE49-F238E27FC236}">
-                <a16:creationId xmlns:a16="http://schemas.microsoft.com/office/drawing/2014/main" id="{324B0847-B4BB-1C42-5E3F-D66FF250050B}"/>
+                <a16:creationId xmlns:a16="http://schemas.microsoft.com/office/drawing/2014/main" id="{11FD595C-9129-C5CA-AE2D-88CF4C946387}"/>
               </a:ext>
             </a:extLst>
           </p:cNvPr>
@@ -6496,132 +6888,42 @@
           <a:lstStyle/>
           <a:p>
             <a:r>
-              <a:rPr lang="en-GB" dirty="0">
-                <a:latin typeface="Jumping Unicorn" panose="02000600000000000000" pitchFamily="2" charset="0"/>
-              </a:rPr>
-              <a:t>Neural Network and LIME</a:t>
-            </a:r>
-          </a:p>
-        </p:txBody>
-      </p:sp>
-      <p:sp>
-        <p:nvSpPr>
-          <p:cNvPr id="4" name="Content Placeholder 2">
-            <a:extLst>
-              <a:ext uri="{FF2B5EF4-FFF2-40B4-BE49-F238E27FC236}">
-                <a16:creationId xmlns:a16="http://schemas.microsoft.com/office/drawing/2014/main" id="{0E9EE105-6184-464E-5B38-138CC14CA2E5}"/>
-              </a:ext>
-            </a:extLst>
-          </p:cNvPr>
-          <p:cNvSpPr>
-            <a:spLocks noGrp="1"/>
-          </p:cNvSpPr>
-          <p:nvPr>
-            <p:ph idx="1"/>
-          </p:nvPr>
-        </p:nvSpPr>
-        <p:spPr>
-          <a:xfrm>
-            <a:off x="838200" y="1825625"/>
-            <a:ext cx="5162006" cy="4351338"/>
-          </a:xfrm>
-        </p:spPr>
-        <p:txBody>
-          <a:bodyPr>
-            <a:normAutofit/>
-          </a:bodyPr>
-          <a:lstStyle/>
-          <a:p>
-            <a:pPr marL="0" indent="0">
-              <a:buNone/>
-            </a:pPr>
-            <a:r>
-              <a:rPr lang="en-GB" sz="1800" b="1" u="sng" dirty="0">
-                <a:latin typeface="Times New Roman" panose="02020603050405020304" pitchFamily="18" charset="0"/>
-                <a:cs typeface="Times New Roman" panose="02020603050405020304" pitchFamily="18" charset="0"/>
-              </a:rPr>
-              <a:t>How it works:</a:t>
-            </a:r>
-          </a:p>
-          <a:p>
-            <a:endParaRPr lang="en-GB" sz="1800" dirty="0">
-              <a:latin typeface="Times New Roman" panose="02020603050405020304" pitchFamily="18" charset="0"/>
-              <a:cs typeface="Times New Roman" panose="02020603050405020304" pitchFamily="18" charset="0"/>
-            </a:endParaRPr>
-          </a:p>
-          <a:p>
-            <a:pPr marL="0" indent="0">
-              <a:buNone/>
-            </a:pPr>
-            <a:r>
-              <a:rPr lang="en-GB" sz="1800" b="1" u="sng" dirty="0">
-                <a:latin typeface="Times New Roman" panose="02020603050405020304" pitchFamily="18" charset="0"/>
-                <a:cs typeface="Times New Roman" panose="02020603050405020304" pitchFamily="18" charset="0"/>
-              </a:rPr>
-              <a:t>Why is it suitable:</a:t>
-            </a:r>
-          </a:p>
-          <a:p>
-            <a:endParaRPr lang="en-GB" sz="1800" dirty="0">
-              <a:latin typeface="Times New Roman" panose="02020603050405020304" pitchFamily="18" charset="0"/>
-              <a:cs typeface="Times New Roman" panose="02020603050405020304" pitchFamily="18" charset="0"/>
-            </a:endParaRPr>
-          </a:p>
-        </p:txBody>
-      </p:sp>
-      <p:sp>
-        <p:nvSpPr>
-          <p:cNvPr id="5" name="TextBox 4">
-            <a:extLst>
-              <a:ext uri="{FF2B5EF4-FFF2-40B4-BE49-F238E27FC236}">
-                <a16:creationId xmlns:a16="http://schemas.microsoft.com/office/drawing/2014/main" id="{756ECC2C-129D-C067-C0E2-2A547515E0F9}"/>
-              </a:ext>
-            </a:extLst>
-          </p:cNvPr>
-          <p:cNvSpPr txBox="1"/>
-          <p:nvPr/>
-        </p:nvSpPr>
-        <p:spPr>
-          <a:xfrm>
-            <a:off x="6923315" y="1825625"/>
-            <a:ext cx="3600000" cy="3600000"/>
-          </a:xfrm>
-          <a:prstGeom prst="rect">
-            <a:avLst/>
-          </a:prstGeom>
-        </p:spPr>
-        <p:style>
-          <a:lnRef idx="2">
-            <a:schemeClr val="dk1"/>
-          </a:lnRef>
-          <a:fillRef idx="1">
-            <a:schemeClr val="lt1"/>
-          </a:fillRef>
-          <a:effectRef idx="0">
-            <a:schemeClr val="dk1"/>
-          </a:effectRef>
-          <a:fontRef idx="minor">
-            <a:schemeClr val="dk1"/>
-          </a:fontRef>
-        </p:style>
-        <p:txBody>
-          <a:bodyPr wrap="square" rtlCol="0" anchor="ctr">
-            <a:spAutoFit/>
-          </a:bodyPr>
-          <a:lstStyle/>
-          <a:p>
-            <a:pPr algn="ctr"/>
-            <a:r>
-              <a:rPr lang="en-GB" dirty="0"/>
-              <a:t>NOT YET IMPLEMENTED</a:t>
-            </a:r>
+              <a:rPr lang="en-US" dirty="0"/>
+              <a:t>Improving model</a:t>
+            </a:r>
+            <a:endParaRPr lang="en-GB" dirty="0"/>
+          </a:p>
+        </p:txBody>
+      </p:sp>
+      <p:sp>
+        <p:nvSpPr>
+          <p:cNvPr id="3" name="Text Placeholder 2">
+            <a:extLst>
+              <a:ext uri="{FF2B5EF4-FFF2-40B4-BE49-F238E27FC236}">
+                <a16:creationId xmlns:a16="http://schemas.microsoft.com/office/drawing/2014/main" id="{0769D27B-E54A-6559-C6A8-4B8A2A71FB7F}"/>
+              </a:ext>
+            </a:extLst>
+          </p:cNvPr>
+          <p:cNvSpPr>
+            <a:spLocks noGrp="1"/>
+          </p:cNvSpPr>
+          <p:nvPr>
+            <p:ph type="body" idx="1"/>
+          </p:nvPr>
+        </p:nvSpPr>
+        <p:spPr/>
+        <p:txBody>
+          <a:bodyPr/>
+          <a:lstStyle/>
+          <a:p>
+            <a:endParaRPr lang="en-GB"/>
           </a:p>
         </p:txBody>
       </p:sp>
     </p:spTree>
     <p:extLst>
       <p:ext uri="{BB962C8B-B14F-4D97-AF65-F5344CB8AC3E}">
-        <p14:creationId xmlns:p14="http://schemas.microsoft.com/office/powerpoint/2010/main" val="3729551078"/>
+        <p14:creationId xmlns:p14="http://schemas.microsoft.com/office/powerpoint/2010/main" val="3131825723"/>
       </p:ext>
     </p:extLst>
   </p:cSld>
@@ -6653,7 +6955,7 @@
           <p:cNvPr id="2" name="Title 1">
             <a:extLst>
               <a:ext uri="{FF2B5EF4-FFF2-40B4-BE49-F238E27FC236}">
-                <a16:creationId xmlns:a16="http://schemas.microsoft.com/office/drawing/2014/main" id="{4AA9FE4D-114C-9554-8BE9-A82CFE2AA1FB}"/>
+                <a16:creationId xmlns:a16="http://schemas.microsoft.com/office/drawing/2014/main" id="{7AEE9ADB-4A3B-31F8-2876-376D97D8D01E}"/>
               </a:ext>
             </a:extLst>
           </p:cNvPr>
@@ -6669,19 +6971,39 @@
           <a:bodyPr/>
           <a:lstStyle/>
           <a:p>
-            <a:r>
-              <a:rPr lang="en-GB" dirty="0">
-                <a:latin typeface="Jumping Unicorn" panose="02000600000000000000" pitchFamily="2" charset="0"/>
-              </a:rPr>
-              <a:t>Frontend Development</a:t>
-            </a:r>
+            <a:endParaRPr lang="en-GB"/>
+          </a:p>
+        </p:txBody>
+      </p:sp>
+      <p:sp>
+        <p:nvSpPr>
+          <p:cNvPr id="3" name="Content Placeholder 2">
+            <a:extLst>
+              <a:ext uri="{FF2B5EF4-FFF2-40B4-BE49-F238E27FC236}">
+                <a16:creationId xmlns:a16="http://schemas.microsoft.com/office/drawing/2014/main" id="{AA3ABC67-5EF5-AFEA-EAD6-FDD1759D9D56}"/>
+              </a:ext>
+            </a:extLst>
+          </p:cNvPr>
+          <p:cNvSpPr>
+            <a:spLocks noGrp="1"/>
+          </p:cNvSpPr>
+          <p:nvPr>
+            <p:ph idx="1"/>
+          </p:nvPr>
+        </p:nvSpPr>
+        <p:spPr/>
+        <p:txBody>
+          <a:bodyPr/>
+          <a:lstStyle/>
+          <a:p>
+            <a:endParaRPr lang="en-GB"/>
           </a:p>
         </p:txBody>
       </p:sp>
     </p:spTree>
     <p:extLst>
       <p:ext uri="{BB962C8B-B14F-4D97-AF65-F5344CB8AC3E}">
-        <p14:creationId xmlns:p14="http://schemas.microsoft.com/office/powerpoint/2010/main" val="1610814924"/>
+        <p14:creationId xmlns:p14="http://schemas.microsoft.com/office/powerpoint/2010/main" val="3203727428"/>
       </p:ext>
     </p:extLst>
   </p:cSld>
@@ -6713,7 +7035,7 @@
           <p:cNvPr id="2" name="Title 1">
             <a:extLst>
               <a:ext uri="{FF2B5EF4-FFF2-40B4-BE49-F238E27FC236}">
-                <a16:creationId xmlns:a16="http://schemas.microsoft.com/office/drawing/2014/main" id="{003CD8D8-61F1-6156-63AE-604AD98510B0}"/>
+                <a16:creationId xmlns:a16="http://schemas.microsoft.com/office/drawing/2014/main" id="{4AA9FE4D-114C-9554-8BE9-A82CFE2AA1FB}"/>
               </a:ext>
             </a:extLst>
           </p:cNvPr>
@@ -6733,171 +7055,7 @@
               <a:rPr lang="en-GB" dirty="0">
                 <a:latin typeface="Jumping Unicorn" panose="02000600000000000000" pitchFamily="2" charset="0"/>
               </a:rPr>
-              <a:t>Frontend Development Overview</a:t>
-            </a:r>
-          </a:p>
-        </p:txBody>
-      </p:sp>
-      <p:sp>
-        <p:nvSpPr>
-          <p:cNvPr id="3" name="Content Placeholder 2">
-            <a:extLst>
-              <a:ext uri="{FF2B5EF4-FFF2-40B4-BE49-F238E27FC236}">
-                <a16:creationId xmlns:a16="http://schemas.microsoft.com/office/drawing/2014/main" id="{107E96CC-057B-CE1E-129E-DFD6352364D1}"/>
-              </a:ext>
-            </a:extLst>
-          </p:cNvPr>
-          <p:cNvSpPr>
-            <a:spLocks noGrp="1"/>
-          </p:cNvSpPr>
-          <p:nvPr>
-            <p:ph idx="1"/>
-          </p:nvPr>
-        </p:nvSpPr>
-        <p:spPr>
-          <a:xfrm>
-            <a:off x="838200" y="1825625"/>
-            <a:ext cx="10515600" cy="4667250"/>
-          </a:xfrm>
-        </p:spPr>
-        <p:txBody>
-          <a:bodyPr>
-            <a:normAutofit/>
-          </a:bodyPr>
-          <a:lstStyle/>
-          <a:p>
-            <a:pPr marL="0" indent="0">
-              <a:buNone/>
-            </a:pPr>
-            <a:r>
-              <a:rPr lang="en-GB" sz="1800" b="1" u="sng" dirty="0">
-                <a:latin typeface="Times New Roman" panose="02020603050405020304" pitchFamily="18" charset="0"/>
-                <a:cs typeface="Times New Roman" panose="02020603050405020304" pitchFamily="18" charset="0"/>
-              </a:rPr>
-              <a:t>Purpose of the Frontend:</a:t>
-            </a:r>
-          </a:p>
-          <a:p>
-            <a:r>
-              <a:rPr lang="en-GB" sz="1800" dirty="0">
-                <a:latin typeface="Times New Roman" panose="02020603050405020304" pitchFamily="18" charset="0"/>
-                <a:cs typeface="Times New Roman" panose="02020603050405020304" pitchFamily="18" charset="0"/>
-              </a:rPr>
-              <a:t>User friendly interface</a:t>
-            </a:r>
-          </a:p>
-          <a:p>
-            <a:r>
-              <a:rPr lang="en-GB" sz="1800" dirty="0">
-                <a:latin typeface="Times New Roman" panose="02020603050405020304" pitchFamily="18" charset="0"/>
-                <a:cs typeface="Times New Roman" panose="02020603050405020304" pitchFamily="18" charset="0"/>
-              </a:rPr>
-              <a:t>Visualisation of predictions</a:t>
-            </a:r>
-          </a:p>
-          <a:p>
-            <a:r>
-              <a:rPr lang="en-GB" sz="1800" dirty="0">
-                <a:latin typeface="Times New Roman" panose="02020603050405020304" pitchFamily="18" charset="0"/>
-                <a:cs typeface="Times New Roman" panose="02020603050405020304" pitchFamily="18" charset="0"/>
-              </a:rPr>
-              <a:t>Real time interaction and diagnosis predictions</a:t>
-            </a:r>
-          </a:p>
-          <a:p>
-            <a:pPr marL="0" indent="0">
-              <a:buNone/>
-            </a:pPr>
-            <a:r>
-              <a:rPr lang="en-GB" sz="1800" b="1" u="sng" dirty="0">
-                <a:latin typeface="Times New Roman" panose="02020603050405020304" pitchFamily="18" charset="0"/>
-                <a:cs typeface="Times New Roman" panose="02020603050405020304" pitchFamily="18" charset="0"/>
-              </a:rPr>
-              <a:t>Key Features:</a:t>
-            </a:r>
-          </a:p>
-          <a:p>
-            <a:pPr marL="342900" indent="-342900">
-              <a:buAutoNum type="arabicPeriod"/>
-            </a:pPr>
-            <a:r>
-              <a:rPr lang="en-GB" sz="1800" dirty="0">
-                <a:latin typeface="Times New Roman" panose="02020603050405020304" pitchFamily="18" charset="0"/>
-                <a:cs typeface="Times New Roman" panose="02020603050405020304" pitchFamily="18" charset="0"/>
-              </a:rPr>
-              <a:t>Input form</a:t>
-            </a:r>
-          </a:p>
-          <a:p>
-            <a:pPr marL="342900" indent="-342900">
-              <a:buAutoNum type="arabicPeriod"/>
-            </a:pPr>
-            <a:r>
-              <a:rPr lang="en-GB" sz="1800" dirty="0">
-                <a:latin typeface="Times New Roman" panose="02020603050405020304" pitchFamily="18" charset="0"/>
-                <a:cs typeface="Times New Roman" panose="02020603050405020304" pitchFamily="18" charset="0"/>
-              </a:rPr>
-              <a:t>Prediction Output</a:t>
-            </a:r>
-          </a:p>
-          <a:p>
-            <a:pPr marL="342900" indent="-342900">
-              <a:buAutoNum type="arabicPeriod"/>
-            </a:pPr>
-            <a:r>
-              <a:rPr lang="en-GB" sz="1800" dirty="0">
-                <a:latin typeface="Times New Roman" panose="02020603050405020304" pitchFamily="18" charset="0"/>
-                <a:cs typeface="Times New Roman" panose="02020603050405020304" pitchFamily="18" charset="0"/>
-              </a:rPr>
-              <a:t>LIME explanation</a:t>
-            </a:r>
-          </a:p>
-          <a:p>
-            <a:pPr marL="342900" indent="-342900">
-              <a:buAutoNum type="arabicPeriod"/>
-            </a:pPr>
-            <a:r>
-              <a:rPr lang="en-GB" sz="1800" dirty="0">
-                <a:latin typeface="Times New Roman" panose="02020603050405020304" pitchFamily="18" charset="0"/>
-                <a:cs typeface="Times New Roman" panose="02020603050405020304" pitchFamily="18" charset="0"/>
-              </a:rPr>
-              <a:t>Model Selection</a:t>
-            </a:r>
-          </a:p>
-          <a:p>
-            <a:pPr marL="342900" indent="-342900">
-              <a:buAutoNum type="arabicPeriod"/>
-            </a:pPr>
-            <a:r>
-              <a:rPr lang="en-GB" sz="1800" dirty="0">
-                <a:latin typeface="Times New Roman" panose="02020603050405020304" pitchFamily="18" charset="0"/>
-                <a:cs typeface="Times New Roman" panose="02020603050405020304" pitchFamily="18" charset="0"/>
-              </a:rPr>
-              <a:t>Responsive Design</a:t>
-            </a:r>
-          </a:p>
-          <a:p>
-            <a:pPr marL="342900" indent="-342900">
-              <a:buAutoNum type="arabicPeriod"/>
-            </a:pPr>
-            <a:r>
-              <a:rPr lang="en-GB" sz="1800" dirty="0">
-                <a:latin typeface="Times New Roman" panose="02020603050405020304" pitchFamily="18" charset="0"/>
-                <a:cs typeface="Times New Roman" panose="02020603050405020304" pitchFamily="18" charset="0"/>
-              </a:rPr>
-              <a:t>Advice to manage condition (based on diagnosis)</a:t>
-            </a:r>
-          </a:p>
-          <a:p>
-            <a:pPr marL="342900" indent="-342900">
-              <a:buAutoNum type="arabicPeriod"/>
-            </a:pPr>
-            <a:r>
-              <a:rPr lang="en-GB" sz="1800" dirty="0">
-                <a:latin typeface="Times New Roman" panose="02020603050405020304" pitchFamily="18" charset="0"/>
-                <a:cs typeface="Times New Roman" panose="02020603050405020304" pitchFamily="18" charset="0"/>
-              </a:rPr>
-              <a:t>Updated real world news on diabetes and global prevalence map</a:t>
+              <a:t>Frontend Development</a:t>
             </a:r>
           </a:p>
         </p:txBody>
@@ -6905,7 +7063,7 @@
     </p:spTree>
     <p:extLst>
       <p:ext uri="{BB962C8B-B14F-4D97-AF65-F5344CB8AC3E}">
-        <p14:creationId xmlns:p14="http://schemas.microsoft.com/office/powerpoint/2010/main" val="2592887907"/>
+        <p14:creationId xmlns:p14="http://schemas.microsoft.com/office/powerpoint/2010/main" val="1610814924"/>
       </p:ext>
     </p:extLst>
   </p:cSld>
@@ -6937,7 +7095,7 @@
           <p:cNvPr id="2" name="Title 1">
             <a:extLst>
               <a:ext uri="{FF2B5EF4-FFF2-40B4-BE49-F238E27FC236}">
-                <a16:creationId xmlns:a16="http://schemas.microsoft.com/office/drawing/2014/main" id="{3957B4E5-2B02-F324-2F8E-5ACB2F078280}"/>
+                <a16:creationId xmlns:a16="http://schemas.microsoft.com/office/drawing/2014/main" id="{003CD8D8-61F1-6156-63AE-604AD98510B0}"/>
               </a:ext>
             </a:extLst>
           </p:cNvPr>
@@ -6957,7 +7115,7 @@
               <a:rPr lang="en-GB" dirty="0">
                 <a:latin typeface="Jumping Unicorn" panose="02000600000000000000" pitchFamily="2" charset="0"/>
               </a:rPr>
-              <a:t>Technologies</a:t>
+              <a:t>Frontend Development Overview</a:t>
             </a:r>
           </a:p>
         </p:txBody>
@@ -6967,7 +7125,7 @@
           <p:cNvPr id="3" name="Content Placeholder 2">
             <a:extLst>
               <a:ext uri="{FF2B5EF4-FFF2-40B4-BE49-F238E27FC236}">
-                <a16:creationId xmlns:a16="http://schemas.microsoft.com/office/drawing/2014/main" id="{A8C46988-7E59-226D-CFB8-A4D8D0179095}"/>
+                <a16:creationId xmlns:a16="http://schemas.microsoft.com/office/drawing/2014/main" id="{107E96CC-057B-CE1E-129E-DFD6352364D1}"/>
               </a:ext>
             </a:extLst>
           </p:cNvPr>
@@ -6978,7 +7136,12 @@
             <p:ph idx="1"/>
           </p:nvPr>
         </p:nvSpPr>
-        <p:spPr/>
+        <p:spPr>
+          <a:xfrm>
+            <a:off x="838200" y="1825625"/>
+            <a:ext cx="10515600" cy="4667250"/>
+          </a:xfrm>
+        </p:spPr>
         <p:txBody>
           <a:bodyPr>
             <a:normAutofit/>
@@ -6993,7 +7156,7 @@
                 <a:latin typeface="Times New Roman" panose="02020603050405020304" pitchFamily="18" charset="0"/>
                 <a:cs typeface="Times New Roman" panose="02020603050405020304" pitchFamily="18" charset="0"/>
               </a:rPr>
-              <a:t>Frontend Framework</a:t>
+              <a:t>Purpose of the Frontend:</a:t>
             </a:r>
           </a:p>
           <a:p>
@@ -7002,7 +7165,25 @@
                 <a:latin typeface="Times New Roman" panose="02020603050405020304" pitchFamily="18" charset="0"/>
                 <a:cs typeface="Times New Roman" panose="02020603050405020304" pitchFamily="18" charset="0"/>
               </a:rPr>
-              <a:t>React Native Expo (mobile and web development)</a:t>
+              <a:t>User friendly interface</a:t>
+            </a:r>
+          </a:p>
+          <a:p>
+            <a:r>
+              <a:rPr lang="en-GB" sz="1800" dirty="0">
+                <a:latin typeface="Times New Roman" panose="02020603050405020304" pitchFamily="18" charset="0"/>
+                <a:cs typeface="Times New Roman" panose="02020603050405020304" pitchFamily="18" charset="0"/>
+              </a:rPr>
+              <a:t>Visualisation of predictions</a:t>
+            </a:r>
+          </a:p>
+          <a:p>
+            <a:r>
+              <a:rPr lang="en-GB" sz="1800" dirty="0">
+                <a:latin typeface="Times New Roman" panose="02020603050405020304" pitchFamily="18" charset="0"/>
+                <a:cs typeface="Times New Roman" panose="02020603050405020304" pitchFamily="18" charset="0"/>
+              </a:rPr>
+              <a:t>Real time interaction and diagnosis predictions</a:t>
             </a:r>
           </a:p>
           <a:p>
@@ -7014,63 +7195,99 @@
                 <a:latin typeface="Times New Roman" panose="02020603050405020304" pitchFamily="18" charset="0"/>
                 <a:cs typeface="Times New Roman" panose="02020603050405020304" pitchFamily="18" charset="0"/>
               </a:rPr>
-              <a:t>Visualisation Libraries</a:t>
-            </a:r>
-          </a:p>
-          <a:p>
+              <a:t>Key Features:</a:t>
+            </a:r>
+          </a:p>
+          <a:p>
+            <a:pPr marL="342900" indent="-342900">
+              <a:buAutoNum type="arabicPeriod"/>
+            </a:pPr>
             <a:r>
               <a:rPr lang="en-GB" sz="1800" dirty="0">
                 <a:latin typeface="Times New Roman" panose="02020603050405020304" pitchFamily="18" charset="0"/>
                 <a:cs typeface="Times New Roman" panose="02020603050405020304" pitchFamily="18" charset="0"/>
               </a:rPr>
-              <a:t>Chart.js and/or Plotly for displaying LIME explanation and homepage visualisation</a:t>
-            </a:r>
-          </a:p>
-          <a:p>
-            <a:pPr marL="0" indent="0">
-              <a:buNone/>
+              <a:t>Input form</a:t>
+            </a:r>
+          </a:p>
+          <a:p>
+            <a:pPr marL="342900" indent="-342900">
+              <a:buAutoNum type="arabicPeriod"/>
             </a:pPr>
             <a:r>
-              <a:rPr lang="en-GB" sz="1800" b="1" u="sng" dirty="0">
-                <a:latin typeface="Times New Roman" panose="02020603050405020304" pitchFamily="18" charset="0"/>
-                <a:cs typeface="Times New Roman" panose="02020603050405020304" pitchFamily="18" charset="0"/>
-              </a:rPr>
-              <a:t>Backend Integration</a:t>
-            </a:r>
-          </a:p>
-          <a:p>
-            <a:r>
               <a:rPr lang="en-GB" sz="1800" dirty="0">
                 <a:latin typeface="Times New Roman" panose="02020603050405020304" pitchFamily="18" charset="0"/>
                 <a:cs typeface="Times New Roman" panose="02020603050405020304" pitchFamily="18" charset="0"/>
               </a:rPr>
-              <a:t>Flask Python Application to connect frontend to ML models and XAI components</a:t>
-            </a:r>
-          </a:p>
-          <a:p>
-            <a:pPr marL="0" indent="0">
-              <a:buNone/>
+              <a:t>Prediction Output</a:t>
+            </a:r>
+          </a:p>
+          <a:p>
+            <a:pPr marL="342900" indent="-342900">
+              <a:buAutoNum type="arabicPeriod"/>
             </a:pPr>
             <a:r>
-              <a:rPr lang="en-GB" sz="1800" b="1" u="sng" dirty="0">
-                <a:latin typeface="Times New Roman" panose="02020603050405020304" pitchFamily="18" charset="0"/>
-                <a:cs typeface="Times New Roman" panose="02020603050405020304" pitchFamily="18" charset="0"/>
-              </a:rPr>
-              <a:t>Deployment</a:t>
-            </a:r>
-          </a:p>
-          <a:p>
-            <a:endParaRPr lang="en-GB" sz="1800" dirty="0">
-              <a:latin typeface="Times New Roman" panose="02020603050405020304" pitchFamily="18" charset="0"/>
-              <a:cs typeface="Times New Roman" panose="02020603050405020304" pitchFamily="18" charset="0"/>
-            </a:endParaRPr>
+              <a:rPr lang="en-GB" sz="1800" dirty="0">
+                <a:latin typeface="Times New Roman" panose="02020603050405020304" pitchFamily="18" charset="0"/>
+                <a:cs typeface="Times New Roman" panose="02020603050405020304" pitchFamily="18" charset="0"/>
+              </a:rPr>
+              <a:t>LIME explanation</a:t>
+            </a:r>
+          </a:p>
+          <a:p>
+            <a:pPr marL="342900" indent="-342900">
+              <a:buAutoNum type="arabicPeriod"/>
+            </a:pPr>
+            <a:r>
+              <a:rPr lang="en-GB" sz="1800" dirty="0">
+                <a:latin typeface="Times New Roman" panose="02020603050405020304" pitchFamily="18" charset="0"/>
+                <a:cs typeface="Times New Roman" panose="02020603050405020304" pitchFamily="18" charset="0"/>
+              </a:rPr>
+              <a:t>Model Selection</a:t>
+            </a:r>
+          </a:p>
+          <a:p>
+            <a:pPr marL="342900" indent="-342900">
+              <a:buAutoNum type="arabicPeriod"/>
+            </a:pPr>
+            <a:r>
+              <a:rPr lang="en-GB" sz="1800" dirty="0">
+                <a:latin typeface="Times New Roman" panose="02020603050405020304" pitchFamily="18" charset="0"/>
+                <a:cs typeface="Times New Roman" panose="02020603050405020304" pitchFamily="18" charset="0"/>
+              </a:rPr>
+              <a:t>Responsive Design</a:t>
+            </a:r>
+          </a:p>
+          <a:p>
+            <a:pPr marL="342900" indent="-342900">
+              <a:buAutoNum type="arabicPeriod"/>
+            </a:pPr>
+            <a:r>
+              <a:rPr lang="en-GB" sz="1800" dirty="0">
+                <a:latin typeface="Times New Roman" panose="02020603050405020304" pitchFamily="18" charset="0"/>
+                <a:cs typeface="Times New Roman" panose="02020603050405020304" pitchFamily="18" charset="0"/>
+              </a:rPr>
+              <a:t>Advice to manage condition (based on diagnosis)</a:t>
+            </a:r>
+          </a:p>
+          <a:p>
+            <a:pPr marL="342900" indent="-342900">
+              <a:buAutoNum type="arabicPeriod"/>
+            </a:pPr>
+            <a:r>
+              <a:rPr lang="en-GB" sz="1800" dirty="0">
+                <a:latin typeface="Times New Roman" panose="02020603050405020304" pitchFamily="18" charset="0"/>
+                <a:cs typeface="Times New Roman" panose="02020603050405020304" pitchFamily="18" charset="0"/>
+              </a:rPr>
+              <a:t>Updated real world news on diabetes and global prevalence map</a:t>
+            </a:r>
           </a:p>
         </p:txBody>
       </p:sp>
     </p:spTree>
     <p:extLst>
       <p:ext uri="{BB962C8B-B14F-4D97-AF65-F5344CB8AC3E}">
-        <p14:creationId xmlns:p14="http://schemas.microsoft.com/office/powerpoint/2010/main" val="591720313"/>
+        <p14:creationId xmlns:p14="http://schemas.microsoft.com/office/powerpoint/2010/main" val="2592887907"/>
       </p:ext>
     </p:extLst>
   </p:cSld>
@@ -7102,7 +7319,7 @@
           <p:cNvPr id="2" name="Title 1">
             <a:extLst>
               <a:ext uri="{FF2B5EF4-FFF2-40B4-BE49-F238E27FC236}">
-                <a16:creationId xmlns:a16="http://schemas.microsoft.com/office/drawing/2014/main" id="{230DB2D1-5376-9394-A2EE-84484AD267A1}"/>
+                <a16:creationId xmlns:a16="http://schemas.microsoft.com/office/drawing/2014/main" id="{3957B4E5-2B02-F324-2F8E-5ACB2F078280}"/>
               </a:ext>
             </a:extLst>
           </p:cNvPr>
@@ -7122,7 +7339,7 @@
               <a:rPr lang="en-GB" dirty="0">
                 <a:latin typeface="Jumping Unicorn" panose="02000600000000000000" pitchFamily="2" charset="0"/>
               </a:rPr>
-              <a:t>Workflow</a:t>
+              <a:t>Technologies</a:t>
             </a:r>
           </a:p>
         </p:txBody>
@@ -7132,7 +7349,7 @@
           <p:cNvPr id="3" name="Content Placeholder 2">
             <a:extLst>
               <a:ext uri="{FF2B5EF4-FFF2-40B4-BE49-F238E27FC236}">
-                <a16:creationId xmlns:a16="http://schemas.microsoft.com/office/drawing/2014/main" id="{4B1D5A2D-3F5F-A625-F52F-F221D1004128}"/>
+                <a16:creationId xmlns:a16="http://schemas.microsoft.com/office/drawing/2014/main" id="{A8C46988-7E59-226D-CFB8-A4D8D0179095}"/>
               </a:ext>
             </a:extLst>
           </p:cNvPr>
@@ -7145,20 +7362,97 @@
         </p:nvSpPr>
         <p:spPr/>
         <p:txBody>
-          <a:bodyPr/>
+          <a:bodyPr>
+            <a:normAutofit/>
+          </a:bodyPr>
           <a:lstStyle/>
           <a:p>
             <a:pPr marL="0" indent="0">
               <a:buNone/>
             </a:pPr>
-            <a:endParaRPr lang="en-GB" dirty="0"/>
+            <a:r>
+              <a:rPr lang="en-GB" sz="1800" b="1" u="sng" dirty="0">
+                <a:latin typeface="Times New Roman" panose="02020603050405020304" pitchFamily="18" charset="0"/>
+                <a:cs typeface="Times New Roman" panose="02020603050405020304" pitchFamily="18" charset="0"/>
+              </a:rPr>
+              <a:t>Frontend Framework</a:t>
+            </a:r>
+          </a:p>
+          <a:p>
+            <a:r>
+              <a:rPr lang="en-GB" sz="1800" dirty="0">
+                <a:latin typeface="Times New Roman" panose="02020603050405020304" pitchFamily="18" charset="0"/>
+                <a:cs typeface="Times New Roman" panose="02020603050405020304" pitchFamily="18" charset="0"/>
+              </a:rPr>
+              <a:t>React Native Expo (mobile and web development)</a:t>
+            </a:r>
+          </a:p>
+          <a:p>
+            <a:pPr marL="0" indent="0">
+              <a:buNone/>
+            </a:pPr>
+            <a:r>
+              <a:rPr lang="en-GB" sz="1800" b="1" u="sng" dirty="0">
+                <a:latin typeface="Times New Roman" panose="02020603050405020304" pitchFamily="18" charset="0"/>
+                <a:cs typeface="Times New Roman" panose="02020603050405020304" pitchFamily="18" charset="0"/>
+              </a:rPr>
+              <a:t>Visualisation Libraries</a:t>
+            </a:r>
+          </a:p>
+          <a:p>
+            <a:r>
+              <a:rPr lang="en-GB" sz="1800" dirty="0">
+                <a:latin typeface="Times New Roman" panose="02020603050405020304" pitchFamily="18" charset="0"/>
+                <a:cs typeface="Times New Roman" panose="02020603050405020304" pitchFamily="18" charset="0"/>
+              </a:rPr>
+              <a:t>Chart.js and/or Plotly for displaying LIME explanation and homepage visualisation</a:t>
+            </a:r>
+          </a:p>
+          <a:p>
+            <a:pPr marL="0" indent="0">
+              <a:buNone/>
+            </a:pPr>
+            <a:r>
+              <a:rPr lang="en-GB" sz="1800" b="1" u="sng" dirty="0">
+                <a:latin typeface="Times New Roman" panose="02020603050405020304" pitchFamily="18" charset="0"/>
+                <a:cs typeface="Times New Roman" panose="02020603050405020304" pitchFamily="18" charset="0"/>
+              </a:rPr>
+              <a:t>Backend Integration</a:t>
+            </a:r>
+          </a:p>
+          <a:p>
+            <a:r>
+              <a:rPr lang="en-GB" sz="1800" dirty="0">
+                <a:latin typeface="Times New Roman" panose="02020603050405020304" pitchFamily="18" charset="0"/>
+                <a:cs typeface="Times New Roman" panose="02020603050405020304" pitchFamily="18" charset="0"/>
+              </a:rPr>
+              <a:t>Flask Python Application to connect frontend to ML models and XAI components</a:t>
+            </a:r>
+          </a:p>
+          <a:p>
+            <a:pPr marL="0" indent="0">
+              <a:buNone/>
+            </a:pPr>
+            <a:r>
+              <a:rPr lang="en-GB" sz="1800" b="1" u="sng" dirty="0">
+                <a:latin typeface="Times New Roman" panose="02020603050405020304" pitchFamily="18" charset="0"/>
+                <a:cs typeface="Times New Roman" panose="02020603050405020304" pitchFamily="18" charset="0"/>
+              </a:rPr>
+              <a:t>Deployment</a:t>
+            </a:r>
+          </a:p>
+          <a:p>
+            <a:endParaRPr lang="en-GB" sz="1800" dirty="0">
+              <a:latin typeface="Times New Roman" panose="02020603050405020304" pitchFamily="18" charset="0"/>
+              <a:cs typeface="Times New Roman" panose="02020603050405020304" pitchFamily="18" charset="0"/>
+            </a:endParaRPr>
           </a:p>
         </p:txBody>
       </p:sp>
     </p:spTree>
     <p:extLst>
       <p:ext uri="{BB962C8B-B14F-4D97-AF65-F5344CB8AC3E}">
-        <p14:creationId xmlns:p14="http://schemas.microsoft.com/office/powerpoint/2010/main" val="3649366483"/>
+        <p14:creationId xmlns:p14="http://schemas.microsoft.com/office/powerpoint/2010/main" val="591720313"/>
       </p:ext>
     </p:extLst>
   </p:cSld>
@@ -7190,7 +7484,7 @@
           <p:cNvPr id="2" name="Title 1">
             <a:extLst>
               <a:ext uri="{FF2B5EF4-FFF2-40B4-BE49-F238E27FC236}">
-                <a16:creationId xmlns:a16="http://schemas.microsoft.com/office/drawing/2014/main" id="{60B1C63A-38FF-B122-E130-3B3B86B6F9CF}"/>
+                <a16:creationId xmlns:a16="http://schemas.microsoft.com/office/drawing/2014/main" id="{230DB2D1-5376-9394-A2EE-84484AD267A1}"/>
               </a:ext>
             </a:extLst>
           </p:cNvPr>
@@ -7210,15 +7504,43 @@
               <a:rPr lang="en-GB" dirty="0">
                 <a:latin typeface="Jumping Unicorn" panose="02000600000000000000" pitchFamily="2" charset="0"/>
               </a:rPr>
-              <a:t>Demo</a:t>
-            </a:r>
+              <a:t>Workflow</a:t>
+            </a:r>
+          </a:p>
+        </p:txBody>
+      </p:sp>
+      <p:sp>
+        <p:nvSpPr>
+          <p:cNvPr id="3" name="Content Placeholder 2">
+            <a:extLst>
+              <a:ext uri="{FF2B5EF4-FFF2-40B4-BE49-F238E27FC236}">
+                <a16:creationId xmlns:a16="http://schemas.microsoft.com/office/drawing/2014/main" id="{4B1D5A2D-3F5F-A625-F52F-F221D1004128}"/>
+              </a:ext>
+            </a:extLst>
+          </p:cNvPr>
+          <p:cNvSpPr>
+            <a:spLocks noGrp="1"/>
+          </p:cNvSpPr>
+          <p:nvPr>
+            <p:ph idx="1"/>
+          </p:nvPr>
+        </p:nvSpPr>
+        <p:spPr/>
+        <p:txBody>
+          <a:bodyPr/>
+          <a:lstStyle/>
+          <a:p>
+            <a:pPr marL="0" indent="0">
+              <a:buNone/>
+            </a:pPr>
+            <a:endParaRPr lang="en-GB" dirty="0"/>
           </a:p>
         </p:txBody>
       </p:sp>
     </p:spTree>
     <p:extLst>
       <p:ext uri="{BB962C8B-B14F-4D97-AF65-F5344CB8AC3E}">
-        <p14:creationId xmlns:p14="http://schemas.microsoft.com/office/powerpoint/2010/main" val="2965663008"/>
+        <p14:creationId xmlns:p14="http://schemas.microsoft.com/office/powerpoint/2010/main" val="3649366483"/>
       </p:ext>
     </p:extLst>
   </p:cSld>
@@ -7250,7 +7572,7 @@
           <p:cNvPr id="2" name="Title 1">
             <a:extLst>
               <a:ext uri="{FF2B5EF4-FFF2-40B4-BE49-F238E27FC236}">
-                <a16:creationId xmlns:a16="http://schemas.microsoft.com/office/drawing/2014/main" id="{CD2889CC-C1B7-42C9-9828-9DA02B2AD405}"/>
+                <a16:creationId xmlns:a16="http://schemas.microsoft.com/office/drawing/2014/main" id="{60B1C63A-38FF-B122-E130-3B3B86B6F9CF}"/>
               </a:ext>
             </a:extLst>
           </p:cNvPr>
@@ -7270,43 +7592,15 @@
               <a:rPr lang="en-GB" dirty="0">
                 <a:latin typeface="Jumping Unicorn" panose="02000600000000000000" pitchFamily="2" charset="0"/>
               </a:rPr>
-              <a:t>Video Demo</a:t>
-            </a:r>
-          </a:p>
-        </p:txBody>
-      </p:sp>
-      <p:sp>
-        <p:nvSpPr>
-          <p:cNvPr id="3" name="Content Placeholder 2">
-            <a:extLst>
-              <a:ext uri="{FF2B5EF4-FFF2-40B4-BE49-F238E27FC236}">
-                <a16:creationId xmlns:a16="http://schemas.microsoft.com/office/drawing/2014/main" id="{A264D19B-4111-ECB5-597B-9E2A5D0DFE46}"/>
-              </a:ext>
-            </a:extLst>
-          </p:cNvPr>
-          <p:cNvSpPr>
-            <a:spLocks noGrp="1"/>
-          </p:cNvSpPr>
-          <p:nvPr>
-            <p:ph idx="1"/>
-          </p:nvPr>
-        </p:nvSpPr>
-        <p:spPr/>
-        <p:txBody>
-          <a:bodyPr/>
-          <a:lstStyle/>
-          <a:p>
-            <a:pPr marL="0" indent="0">
-              <a:buNone/>
-            </a:pPr>
-            <a:endParaRPr lang="en-GB" dirty="0"/>
+              <a:t>Demo</a:t>
+            </a:r>
           </a:p>
         </p:txBody>
       </p:sp>
     </p:spTree>
     <p:extLst>
       <p:ext uri="{BB962C8B-B14F-4D97-AF65-F5344CB8AC3E}">
-        <p14:creationId xmlns:p14="http://schemas.microsoft.com/office/powerpoint/2010/main" val="2508217115"/>
+        <p14:creationId xmlns:p14="http://schemas.microsoft.com/office/powerpoint/2010/main" val="2965663008"/>
       </p:ext>
     </p:extLst>
   </p:cSld>
@@ -7338,7 +7632,7 @@
           <p:cNvPr id="2" name="Title 1">
             <a:extLst>
               <a:ext uri="{FF2B5EF4-FFF2-40B4-BE49-F238E27FC236}">
-                <a16:creationId xmlns:a16="http://schemas.microsoft.com/office/drawing/2014/main" id="{DFC50F33-4F06-6D6A-A3A3-2E6DC603D574}"/>
+                <a16:creationId xmlns:a16="http://schemas.microsoft.com/office/drawing/2014/main" id="{CD2889CC-C1B7-42C9-9828-9DA02B2AD405}"/>
               </a:ext>
             </a:extLst>
           </p:cNvPr>
@@ -7358,15 +7652,43 @@
               <a:rPr lang="en-GB" dirty="0">
                 <a:latin typeface="Jumping Unicorn" panose="02000600000000000000" pitchFamily="2" charset="0"/>
               </a:rPr>
-              <a:t>Challenges and future improvements</a:t>
-            </a:r>
+              <a:t>Video Demo</a:t>
+            </a:r>
+          </a:p>
+        </p:txBody>
+      </p:sp>
+      <p:sp>
+        <p:nvSpPr>
+          <p:cNvPr id="3" name="Content Placeholder 2">
+            <a:extLst>
+              <a:ext uri="{FF2B5EF4-FFF2-40B4-BE49-F238E27FC236}">
+                <a16:creationId xmlns:a16="http://schemas.microsoft.com/office/drawing/2014/main" id="{A264D19B-4111-ECB5-597B-9E2A5D0DFE46}"/>
+              </a:ext>
+            </a:extLst>
+          </p:cNvPr>
+          <p:cNvSpPr>
+            <a:spLocks noGrp="1"/>
+          </p:cNvSpPr>
+          <p:nvPr>
+            <p:ph idx="1"/>
+          </p:nvPr>
+        </p:nvSpPr>
+        <p:spPr/>
+        <p:txBody>
+          <a:bodyPr/>
+          <a:lstStyle/>
+          <a:p>
+            <a:pPr marL="0" indent="0">
+              <a:buNone/>
+            </a:pPr>
+            <a:endParaRPr lang="en-GB" dirty="0"/>
           </a:p>
         </p:txBody>
       </p:sp>
     </p:spTree>
     <p:extLst>
       <p:ext uri="{BB962C8B-B14F-4D97-AF65-F5344CB8AC3E}">
-        <p14:creationId xmlns:p14="http://schemas.microsoft.com/office/powerpoint/2010/main" val="4212735330"/>
+        <p14:creationId xmlns:p14="http://schemas.microsoft.com/office/powerpoint/2010/main" val="2508217115"/>
       </p:ext>
     </p:extLst>
   </p:cSld>
@@ -7679,7 +8001,7 @@
           <p:cNvPr id="2" name="Title 1">
             <a:extLst>
               <a:ext uri="{FF2B5EF4-FFF2-40B4-BE49-F238E27FC236}">
-                <a16:creationId xmlns:a16="http://schemas.microsoft.com/office/drawing/2014/main" id="{0CADC0C9-8C4F-E760-D367-A726FD9204D8}"/>
+                <a16:creationId xmlns:a16="http://schemas.microsoft.com/office/drawing/2014/main" id="{DFC50F33-4F06-6D6A-A3A3-2E6DC603D574}"/>
               </a:ext>
             </a:extLst>
           </p:cNvPr>
@@ -7699,65 +8021,15 @@
               <a:rPr lang="en-GB" dirty="0">
                 <a:latin typeface="Jumping Unicorn" panose="02000600000000000000" pitchFamily="2" charset="0"/>
               </a:rPr>
-              <a:t>Challenges</a:t>
-            </a:r>
-          </a:p>
-        </p:txBody>
-      </p:sp>
-      <p:sp>
-        <p:nvSpPr>
-          <p:cNvPr id="3" name="Content Placeholder 2">
-            <a:extLst>
-              <a:ext uri="{FF2B5EF4-FFF2-40B4-BE49-F238E27FC236}">
-                <a16:creationId xmlns:a16="http://schemas.microsoft.com/office/drawing/2014/main" id="{85082A39-D889-A8DB-CA9F-CD3C7A3AA7AD}"/>
-              </a:ext>
-            </a:extLst>
-          </p:cNvPr>
-          <p:cNvSpPr>
-            <a:spLocks noGrp="1"/>
-          </p:cNvSpPr>
-          <p:nvPr>
-            <p:ph sz="half" idx="1"/>
-          </p:nvPr>
-        </p:nvSpPr>
-        <p:spPr/>
-        <p:txBody>
-          <a:bodyPr/>
-          <a:lstStyle/>
-          <a:p>
-            <a:endParaRPr lang="en-GB" dirty="0"/>
-          </a:p>
-        </p:txBody>
-      </p:sp>
-      <p:sp>
-        <p:nvSpPr>
-          <p:cNvPr id="4" name="Content Placeholder 3">
-            <a:extLst>
-              <a:ext uri="{FF2B5EF4-FFF2-40B4-BE49-F238E27FC236}">
-                <a16:creationId xmlns:a16="http://schemas.microsoft.com/office/drawing/2014/main" id="{378B6130-6B0A-5D46-C51B-5E281F0927B1}"/>
-              </a:ext>
-            </a:extLst>
-          </p:cNvPr>
-          <p:cNvSpPr>
-            <a:spLocks noGrp="1"/>
-          </p:cNvSpPr>
-          <p:nvPr>
-            <p:ph sz="half" idx="2"/>
-          </p:nvPr>
-        </p:nvSpPr>
-        <p:spPr/>
-        <p:txBody>
-          <a:bodyPr/>
-          <a:lstStyle/>
-          <a:p>
-            <a:endParaRPr lang="en-GB" dirty="0"/>
+              <a:t>Challenges and future improvements</a:t>
+            </a:r>
           </a:p>
         </p:txBody>
       </p:sp>
     </p:spTree>
     <p:extLst>
       <p:ext uri="{BB962C8B-B14F-4D97-AF65-F5344CB8AC3E}">
-        <p14:creationId xmlns:p14="http://schemas.microsoft.com/office/powerpoint/2010/main" val="3500278681"/>
+        <p14:creationId xmlns:p14="http://schemas.microsoft.com/office/powerpoint/2010/main" val="4212735330"/>
       </p:ext>
     </p:extLst>
   </p:cSld>
@@ -7789,6 +8061,116 @@
           <p:cNvPr id="2" name="Title 1">
             <a:extLst>
               <a:ext uri="{FF2B5EF4-FFF2-40B4-BE49-F238E27FC236}">
+                <a16:creationId xmlns:a16="http://schemas.microsoft.com/office/drawing/2014/main" id="{0CADC0C9-8C4F-E760-D367-A726FD9204D8}"/>
+              </a:ext>
+            </a:extLst>
+          </p:cNvPr>
+          <p:cNvSpPr>
+            <a:spLocks noGrp="1"/>
+          </p:cNvSpPr>
+          <p:nvPr>
+            <p:ph type="title"/>
+          </p:nvPr>
+        </p:nvSpPr>
+        <p:spPr/>
+        <p:txBody>
+          <a:bodyPr/>
+          <a:lstStyle/>
+          <a:p>
+            <a:r>
+              <a:rPr lang="en-GB" dirty="0">
+                <a:latin typeface="Jumping Unicorn" panose="02000600000000000000" pitchFamily="2" charset="0"/>
+              </a:rPr>
+              <a:t>Challenges</a:t>
+            </a:r>
+          </a:p>
+        </p:txBody>
+      </p:sp>
+      <p:sp>
+        <p:nvSpPr>
+          <p:cNvPr id="3" name="Content Placeholder 2">
+            <a:extLst>
+              <a:ext uri="{FF2B5EF4-FFF2-40B4-BE49-F238E27FC236}">
+                <a16:creationId xmlns:a16="http://schemas.microsoft.com/office/drawing/2014/main" id="{85082A39-D889-A8DB-CA9F-CD3C7A3AA7AD}"/>
+              </a:ext>
+            </a:extLst>
+          </p:cNvPr>
+          <p:cNvSpPr>
+            <a:spLocks noGrp="1"/>
+          </p:cNvSpPr>
+          <p:nvPr>
+            <p:ph sz="half" idx="1"/>
+          </p:nvPr>
+        </p:nvSpPr>
+        <p:spPr/>
+        <p:txBody>
+          <a:bodyPr/>
+          <a:lstStyle/>
+          <a:p>
+            <a:endParaRPr lang="en-GB" dirty="0"/>
+          </a:p>
+        </p:txBody>
+      </p:sp>
+      <p:sp>
+        <p:nvSpPr>
+          <p:cNvPr id="4" name="Content Placeholder 3">
+            <a:extLst>
+              <a:ext uri="{FF2B5EF4-FFF2-40B4-BE49-F238E27FC236}">
+                <a16:creationId xmlns:a16="http://schemas.microsoft.com/office/drawing/2014/main" id="{378B6130-6B0A-5D46-C51B-5E281F0927B1}"/>
+              </a:ext>
+            </a:extLst>
+          </p:cNvPr>
+          <p:cNvSpPr>
+            <a:spLocks noGrp="1"/>
+          </p:cNvSpPr>
+          <p:nvPr>
+            <p:ph sz="half" idx="2"/>
+          </p:nvPr>
+        </p:nvSpPr>
+        <p:spPr/>
+        <p:txBody>
+          <a:bodyPr/>
+          <a:lstStyle/>
+          <a:p>
+            <a:endParaRPr lang="en-GB" dirty="0"/>
+          </a:p>
+        </p:txBody>
+      </p:sp>
+    </p:spTree>
+    <p:extLst>
+      <p:ext uri="{BB962C8B-B14F-4D97-AF65-F5344CB8AC3E}">
+        <p14:creationId xmlns:p14="http://schemas.microsoft.com/office/powerpoint/2010/main" val="3500278681"/>
+      </p:ext>
+    </p:extLst>
+  </p:cSld>
+  <p:clrMapOvr>
+    <a:masterClrMapping/>
+  </p:clrMapOvr>
+</p:sld>
+</file>
+
+<file path=ppt/slides/slide32.xml><?xml version="1.0" encoding="utf-8"?>
+<p:sld xmlns:a="http://schemas.openxmlformats.org/drawingml/2006/main" xmlns:r="http://schemas.openxmlformats.org/officeDocument/2006/relationships" xmlns:p="http://schemas.openxmlformats.org/presentationml/2006/main">
+  <p:cSld>
+    <p:spTree>
+      <p:nvGrpSpPr>
+        <p:cNvPr id="1" name=""/>
+        <p:cNvGrpSpPr/>
+        <p:nvPr/>
+      </p:nvGrpSpPr>
+      <p:grpSpPr>
+        <a:xfrm>
+          <a:off x="0" y="0"/>
+          <a:ext cx="0" cy="0"/>
+          <a:chOff x="0" y="0"/>
+          <a:chExt cx="0" cy="0"/>
+        </a:xfrm>
+      </p:grpSpPr>
+      <p:sp>
+        <p:nvSpPr>
+          <p:cNvPr id="2" name="Title 1">
+            <a:extLst>
+              <a:ext uri="{FF2B5EF4-FFF2-40B4-BE49-F238E27FC236}">
                 <a16:creationId xmlns:a16="http://schemas.microsoft.com/office/drawing/2014/main" id="{D7184DDB-7DDC-1EB1-2BAC-FE421A32497B}"/>
               </a:ext>
             </a:extLst>
@@ -7877,7 +8259,7 @@
 </p:sld>
 </file>
 
-<file path=ppt/slides/slide32.xml><?xml version="1.0" encoding="utf-8"?>
+<file path=ppt/slides/slide33.xml><?xml version="1.0" encoding="utf-8"?>
 <p:sld xmlns:a="http://schemas.openxmlformats.org/drawingml/2006/main" xmlns:r="http://schemas.openxmlformats.org/officeDocument/2006/relationships" xmlns:p="http://schemas.openxmlformats.org/presentationml/2006/main">
   <p:cSld>
     <p:spTree>
@@ -8321,15 +8703,6 @@
             </a:r>
           </a:p>
           <a:p>
-            <a:r>
-              <a:rPr lang="en-GB" sz="1800" dirty="0">
-                <a:latin typeface="Times New Roman" panose="02020603050405020304" pitchFamily="18" charset="0"/>
-                <a:cs typeface="Times New Roman" panose="02020603050405020304" pitchFamily="18" charset="0"/>
-              </a:rPr>
-              <a:t>Neural network </a:t>
-            </a:r>
-          </a:p>
-          <a:p>
             <a:pPr marL="0" indent="0">
               <a:buNone/>
             </a:pPr>
@@ -8512,7 +8885,7 @@
                 <a:latin typeface="Times New Roman" panose="02020603050405020304" pitchFamily="18" charset="0"/>
                 <a:cs typeface="Times New Roman" panose="02020603050405020304" pitchFamily="18" charset="0"/>
               </a:rPr>
-              <a:t>Data cleaning</a:t>
+              <a:t>Handling Missing Data</a:t>
             </a:r>
           </a:p>
           <a:p>
@@ -8524,7 +8897,7 @@
                 <a:latin typeface="Times New Roman" panose="02020603050405020304" pitchFamily="18" charset="0"/>
                 <a:cs typeface="Times New Roman" panose="02020603050405020304" pitchFamily="18" charset="0"/>
               </a:rPr>
-              <a:t>Data integration</a:t>
+              <a:t>Removing/Managing outliers</a:t>
             </a:r>
           </a:p>
           <a:p>
@@ -8536,7 +8909,7 @@
                 <a:latin typeface="Times New Roman" panose="02020603050405020304" pitchFamily="18" charset="0"/>
                 <a:cs typeface="Times New Roman" panose="02020603050405020304" pitchFamily="18" charset="0"/>
               </a:rPr>
-              <a:t>Data transformation</a:t>
+              <a:t>Removing Duplicates</a:t>
             </a:r>
           </a:p>
           <a:p>
@@ -8548,7 +8921,7 @@
                 <a:latin typeface="Times New Roman" panose="02020603050405020304" pitchFamily="18" charset="0"/>
                 <a:cs typeface="Times New Roman" panose="02020603050405020304" pitchFamily="18" charset="0"/>
               </a:rPr>
-              <a:t>Data reduction</a:t>
+              <a:t>Standardising Data</a:t>
             </a:r>
           </a:p>
           <a:p>
@@ -8597,7 +8970,7 @@
           <p:cNvPr id="2" name="Title 1">
             <a:extLst>
               <a:ext uri="{FF2B5EF4-FFF2-40B4-BE49-F238E27FC236}">
-                <a16:creationId xmlns:a16="http://schemas.microsoft.com/office/drawing/2014/main" id="{EEF92195-A7C1-263E-7DA1-ECEF58E103C3}"/>
+                <a16:creationId xmlns:a16="http://schemas.microsoft.com/office/drawing/2014/main" id="{0964524B-318A-7C2E-1184-EA2A3166B535}"/>
               </a:ext>
             </a:extLst>
           </p:cNvPr>
@@ -8614,44 +8987,151 @@
           <a:lstStyle/>
           <a:p>
             <a:r>
+              <a:rPr lang="en-US" dirty="0">
+                <a:cs typeface="Times New Roman" panose="02020603050405020304" pitchFamily="18" charset="0"/>
+              </a:rPr>
+              <a:t>Box Plot – Outliers</a:t>
+            </a:r>
+            <a:endParaRPr lang="en-GB" dirty="0">
+              <a:cs typeface="Times New Roman" panose="02020603050405020304" pitchFamily="18" charset="0"/>
+            </a:endParaRPr>
+          </a:p>
+        </p:txBody>
+      </p:sp>
+      <p:sp>
+        <p:nvSpPr>
+          <p:cNvPr id="11" name="TextBox 10">
+            <a:extLst>
+              <a:ext uri="{FF2B5EF4-FFF2-40B4-BE49-F238E27FC236}">
+                <a16:creationId xmlns:a16="http://schemas.microsoft.com/office/drawing/2014/main" id="{34E2E9B5-B21E-9C66-40CB-7CDF01838104}"/>
+              </a:ext>
+            </a:extLst>
+          </p:cNvPr>
+          <p:cNvSpPr txBox="1"/>
+          <p:nvPr/>
+        </p:nvSpPr>
+        <p:spPr>
+          <a:xfrm>
+            <a:off x="2155648" y="2909888"/>
+            <a:ext cx="1917700" cy="1477328"/>
+          </a:xfrm>
+          <a:prstGeom prst="rect">
+            <a:avLst/>
+          </a:prstGeom>
+          <a:noFill/>
+        </p:spPr>
+        <p:txBody>
+          <a:bodyPr wrap="square" rtlCol="0">
+            <a:spAutoFit/>
+          </a:bodyPr>
+          <a:lstStyle/>
+          <a:p>
+            <a:r>
+              <a:rPr lang="en-US" u="sng" dirty="0">
+                <a:latin typeface="Times New Roman" panose="02020603050405020304" pitchFamily="18" charset="0"/>
+                <a:cs typeface="Times New Roman" panose="02020603050405020304" pitchFamily="18" charset="0"/>
+              </a:rPr>
+              <a:t>Have Outliers</a:t>
+            </a:r>
+          </a:p>
+          <a:p>
+            <a:pPr marL="285750" indent="-285750">
+              <a:buFont typeface="Arial" panose="020B0604020202020204" pitchFamily="34" charset="0"/>
+              <a:buChar char="•"/>
+            </a:pPr>
+            <a:r>
+              <a:rPr lang="en-US" dirty="0">
+                <a:latin typeface="Times New Roman" panose="02020603050405020304" pitchFamily="18" charset="0"/>
+                <a:cs typeface="Times New Roman" panose="02020603050405020304" pitchFamily="18" charset="0"/>
+              </a:rPr>
+              <a:t>Insulin</a:t>
+            </a:r>
+            <a:endParaRPr lang="en-GB" dirty="0">
+              <a:latin typeface="Times New Roman" panose="02020603050405020304" pitchFamily="18" charset="0"/>
+              <a:cs typeface="Times New Roman" panose="02020603050405020304" pitchFamily="18" charset="0"/>
+            </a:endParaRPr>
+          </a:p>
+          <a:p>
+            <a:pPr marL="285750" indent="-285750">
+              <a:buFont typeface="Arial" panose="020B0604020202020204" pitchFamily="34" charset="0"/>
+              <a:buChar char="•"/>
+            </a:pPr>
+            <a:r>
               <a:rPr lang="en-GB" dirty="0">
                 <a:latin typeface="Times New Roman" panose="02020603050405020304" pitchFamily="18" charset="0"/>
                 <a:cs typeface="Times New Roman" panose="02020603050405020304" pitchFamily="18" charset="0"/>
               </a:rPr>
-              <a:t>Data Cleaning</a:t>
-            </a:r>
-          </a:p>
-        </p:txBody>
-      </p:sp>
-      <p:sp>
-        <p:nvSpPr>
-          <p:cNvPr id="3" name="Content Placeholder 2">
-            <a:extLst>
-              <a:ext uri="{FF2B5EF4-FFF2-40B4-BE49-F238E27FC236}">
-                <a16:creationId xmlns:a16="http://schemas.microsoft.com/office/drawing/2014/main" id="{AC76CA42-074E-CD3D-D877-0AC25EE9C65D}"/>
-              </a:ext>
-            </a:extLst>
-          </p:cNvPr>
-          <p:cNvSpPr>
-            <a:spLocks noGrp="1"/>
-          </p:cNvSpPr>
-          <p:nvPr>
-            <p:ph idx="1"/>
-          </p:nvPr>
-        </p:nvSpPr>
-        <p:spPr/>
-        <p:txBody>
-          <a:bodyPr/>
-          <a:lstStyle/>
-          <a:p>
-            <a:endParaRPr lang="en-GB"/>
-          </a:p>
-        </p:txBody>
-      </p:sp>
+              <a:t>BMI</a:t>
+            </a:r>
+          </a:p>
+          <a:p>
+            <a:pPr marL="285750" indent="-285750">
+              <a:buFont typeface="Arial" panose="020B0604020202020204" pitchFamily="34" charset="0"/>
+              <a:buChar char="•"/>
+            </a:pPr>
+            <a:r>
+              <a:rPr lang="en-GB" dirty="0">
+                <a:latin typeface="Times New Roman" panose="02020603050405020304" pitchFamily="18" charset="0"/>
+                <a:cs typeface="Times New Roman" panose="02020603050405020304" pitchFamily="18" charset="0"/>
+              </a:rPr>
+              <a:t>Blood Pressure</a:t>
+            </a:r>
+          </a:p>
+          <a:p>
+            <a:pPr marL="285750" indent="-285750">
+              <a:buFont typeface="Arial" panose="020B0604020202020204" pitchFamily="34" charset="0"/>
+              <a:buChar char="•"/>
+            </a:pPr>
+            <a:r>
+              <a:rPr lang="en-GB" dirty="0">
+                <a:latin typeface="Times New Roman" panose="02020603050405020304" pitchFamily="18" charset="0"/>
+                <a:cs typeface="Times New Roman" panose="02020603050405020304" pitchFamily="18" charset="0"/>
+              </a:rPr>
+              <a:t>Pregnancies</a:t>
+            </a:r>
+          </a:p>
+        </p:txBody>
+      </p:sp>
+      <p:pic>
+        <p:nvPicPr>
+          <p:cNvPr id="25" name="Picture 24" descr="A screenshot of a graph&#10;&#10;AI-generated content may be incorrect.">
+            <a:extLst>
+              <a:ext uri="{FF2B5EF4-FFF2-40B4-BE49-F238E27FC236}">
+                <a16:creationId xmlns:a16="http://schemas.microsoft.com/office/drawing/2014/main" id="{0C2FB07D-EEC7-62B7-919F-0163015849DF}"/>
+              </a:ext>
+            </a:extLst>
+          </p:cNvPr>
+          <p:cNvPicPr>
+            <a:picLocks noChangeAspect="1"/>
+          </p:cNvPicPr>
+          <p:nvPr/>
+        </p:nvPicPr>
+        <p:blipFill>
+          <a:blip r:embed="rId3">
+            <a:extLst>
+              <a:ext uri="{28A0092B-C50C-407E-A947-70E740481C1C}">
+                <a14:useLocalDpi xmlns:a14="http://schemas.microsoft.com/office/drawing/2010/main" val="0"/>
+              </a:ext>
+            </a:extLst>
+          </a:blip>
+          <a:stretch>
+            <a:fillRect/>
+          </a:stretch>
+        </p:blipFill>
+        <p:spPr>
+          <a:xfrm>
+            <a:off x="5390796" y="0"/>
+            <a:ext cx="6801204" cy="6858000"/>
+          </a:xfrm>
+          <a:prstGeom prst="rect">
+            <a:avLst/>
+          </a:prstGeom>
+        </p:spPr>
+      </p:pic>
     </p:spTree>
     <p:extLst>
       <p:ext uri="{BB962C8B-B14F-4D97-AF65-F5344CB8AC3E}">
-        <p14:creationId xmlns:p14="http://schemas.microsoft.com/office/powerpoint/2010/main" val="3123931095"/>
+        <p14:creationId xmlns:p14="http://schemas.microsoft.com/office/powerpoint/2010/main" val="598535674"/>
       </p:ext>
     </p:extLst>
   </p:cSld>
@@ -8683,7 +9163,7 @@
           <p:cNvPr id="2" name="Title 1">
             <a:extLst>
               <a:ext uri="{FF2B5EF4-FFF2-40B4-BE49-F238E27FC236}">
-                <a16:creationId xmlns:a16="http://schemas.microsoft.com/office/drawing/2014/main" id="{1546EF2C-D98E-D12C-2B63-D7835447FAD5}"/>
+                <a16:creationId xmlns:a16="http://schemas.microsoft.com/office/drawing/2014/main" id="{5F10D147-F4D8-F34D-1F17-51C48A7C96E9}"/>
               </a:ext>
             </a:extLst>
           </p:cNvPr>
@@ -8700,44 +9180,143 @@
           <a:lstStyle/>
           <a:p>
             <a:r>
+              <a:rPr lang="en-US" dirty="0">
+                <a:cs typeface="Times New Roman" panose="02020603050405020304" pitchFamily="18" charset="0"/>
+              </a:rPr>
+              <a:t>Missing Data</a:t>
+            </a:r>
+            <a:endParaRPr lang="en-GB" dirty="0">
+              <a:cs typeface="Times New Roman" panose="02020603050405020304" pitchFamily="18" charset="0"/>
+            </a:endParaRPr>
+          </a:p>
+        </p:txBody>
+      </p:sp>
+      <p:sp>
+        <p:nvSpPr>
+          <p:cNvPr id="3" name="Content Placeholder 2">
+            <a:extLst>
+              <a:ext uri="{FF2B5EF4-FFF2-40B4-BE49-F238E27FC236}">
+                <a16:creationId xmlns:a16="http://schemas.microsoft.com/office/drawing/2014/main" id="{2A407B58-9D12-6268-B715-3AEF61149B9B}"/>
+              </a:ext>
+            </a:extLst>
+          </p:cNvPr>
+          <p:cNvSpPr>
+            <a:spLocks noGrp="1"/>
+          </p:cNvSpPr>
+          <p:nvPr>
+            <p:ph idx="1"/>
+          </p:nvPr>
+        </p:nvSpPr>
+        <p:spPr>
+          <a:xfrm>
+            <a:off x="838200" y="1825625"/>
+            <a:ext cx="5803900" cy="4351338"/>
+          </a:xfrm>
+        </p:spPr>
+        <p:txBody>
+          <a:bodyPr>
+            <a:normAutofit lnSpcReduction="10000"/>
+          </a:bodyPr>
+          <a:lstStyle/>
+          <a:p>
+            <a:r>
+              <a:rPr lang="en-US" dirty="0">
+                <a:latin typeface="Times New Roman" panose="02020603050405020304" pitchFamily="18" charset="0"/>
+                <a:cs typeface="Times New Roman" panose="02020603050405020304" pitchFamily="18" charset="0"/>
+              </a:rPr>
+              <a:t>We can drop the null values from </a:t>
+            </a:r>
+            <a:r>
+              <a:rPr lang="en-US" u="sng" dirty="0">
+                <a:latin typeface="Times New Roman" panose="02020603050405020304" pitchFamily="18" charset="0"/>
+                <a:cs typeface="Times New Roman" panose="02020603050405020304" pitchFamily="18" charset="0"/>
+              </a:rPr>
+              <a:t>Glucose, Blood Pressure</a:t>
+            </a:r>
+            <a:r>
+              <a:rPr lang="en-US" dirty="0">
+                <a:latin typeface="Times New Roman" panose="02020603050405020304" pitchFamily="18" charset="0"/>
+                <a:cs typeface="Times New Roman" panose="02020603050405020304" pitchFamily="18" charset="0"/>
+              </a:rPr>
+              <a:t> and </a:t>
+            </a:r>
+            <a:r>
+              <a:rPr lang="en-US" u="sng" dirty="0">
+                <a:latin typeface="Times New Roman" panose="02020603050405020304" pitchFamily="18" charset="0"/>
+                <a:cs typeface="Times New Roman" panose="02020603050405020304" pitchFamily="18" charset="0"/>
+              </a:rPr>
+              <a:t>BMI</a:t>
+            </a:r>
+            <a:r>
+              <a:rPr lang="en-US" dirty="0">
+                <a:latin typeface="Times New Roman" panose="02020603050405020304" pitchFamily="18" charset="0"/>
+                <a:cs typeface="Times New Roman" panose="02020603050405020304" pitchFamily="18" charset="0"/>
+              </a:rPr>
+              <a:t> as it is a small potion that will still leave plenty of data for preprocessing and using to train and test the models</a:t>
+            </a:r>
+            <a:endParaRPr lang="en-GB" dirty="0">
+              <a:latin typeface="Times New Roman" panose="02020603050405020304" pitchFamily="18" charset="0"/>
+              <a:cs typeface="Times New Roman" panose="02020603050405020304" pitchFamily="18" charset="0"/>
+            </a:endParaRPr>
+          </a:p>
+          <a:p>
+            <a:r>
               <a:rPr lang="en-GB" dirty="0">
                 <a:latin typeface="Times New Roman" panose="02020603050405020304" pitchFamily="18" charset="0"/>
                 <a:cs typeface="Times New Roman" panose="02020603050405020304" pitchFamily="18" charset="0"/>
               </a:rPr>
-              <a:t>Data Integration</a:t>
-            </a:r>
-          </a:p>
-        </p:txBody>
-      </p:sp>
-      <p:sp>
-        <p:nvSpPr>
-          <p:cNvPr id="3" name="Content Placeholder 2">
-            <a:extLst>
-              <a:ext uri="{FF2B5EF4-FFF2-40B4-BE49-F238E27FC236}">
-                <a16:creationId xmlns:a16="http://schemas.microsoft.com/office/drawing/2014/main" id="{9CE0E5BA-DB9F-AE1A-A534-BCCC65C4A6AB}"/>
-              </a:ext>
-            </a:extLst>
-          </p:cNvPr>
-          <p:cNvSpPr>
-            <a:spLocks noGrp="1"/>
-          </p:cNvSpPr>
-          <p:nvPr>
-            <p:ph idx="1"/>
-          </p:nvPr>
-        </p:nvSpPr>
-        <p:spPr/>
-        <p:txBody>
-          <a:bodyPr/>
-          <a:lstStyle/>
-          <a:p>
-            <a:endParaRPr lang="en-GB"/>
-          </a:p>
-        </p:txBody>
-      </p:sp>
+              <a:t>Outcome having 65% is not an issue since it just means that 65% of the diagnosis were 0 (non-diabetic)</a:t>
+            </a:r>
+          </a:p>
+          <a:p>
+            <a:r>
+              <a:rPr lang="en-GB" dirty="0">
+                <a:latin typeface="Times New Roman" panose="02020603050405020304" pitchFamily="18" charset="0"/>
+                <a:cs typeface="Times New Roman" panose="02020603050405020304" pitchFamily="18" charset="0"/>
+              </a:rPr>
+              <a:t>Pregnancies, Insulin and Skin thickness will be handled instead of being removed.</a:t>
+            </a:r>
+            <a:endParaRPr lang="en-US" dirty="0">
+              <a:latin typeface="Times New Roman" panose="02020603050405020304" pitchFamily="18" charset="0"/>
+              <a:cs typeface="Times New Roman" panose="02020603050405020304" pitchFamily="18" charset="0"/>
+            </a:endParaRPr>
+          </a:p>
+        </p:txBody>
+      </p:sp>
+      <p:pic>
+        <p:nvPicPr>
+          <p:cNvPr id="5" name="Picture 4">
+            <a:extLst>
+              <a:ext uri="{FF2B5EF4-FFF2-40B4-BE49-F238E27FC236}">
+                <a16:creationId xmlns:a16="http://schemas.microsoft.com/office/drawing/2014/main" id="{41E11052-EFCE-0F3E-3A0F-7F547DCA7DD9}"/>
+              </a:ext>
+            </a:extLst>
+          </p:cNvPr>
+          <p:cNvPicPr>
+            <a:picLocks noChangeAspect="1"/>
+          </p:cNvPicPr>
+          <p:nvPr/>
+        </p:nvPicPr>
+        <p:blipFill>
+          <a:blip r:embed="rId2"/>
+          <a:stretch>
+            <a:fillRect/>
+          </a:stretch>
+        </p:blipFill>
+        <p:spPr>
+          <a:xfrm>
+            <a:off x="6875951" y="2478825"/>
+            <a:ext cx="4477849" cy="3044938"/>
+          </a:xfrm>
+          <a:prstGeom prst="rect">
+            <a:avLst/>
+          </a:prstGeom>
+        </p:spPr>
+      </p:pic>
     </p:spTree>
     <p:extLst>
       <p:ext uri="{BB962C8B-B14F-4D97-AF65-F5344CB8AC3E}">
-        <p14:creationId xmlns:p14="http://schemas.microsoft.com/office/powerpoint/2010/main" val="1901120834"/>
+        <p14:creationId xmlns:p14="http://schemas.microsoft.com/office/powerpoint/2010/main" val="2103199779"/>
       </p:ext>
     </p:extLst>
   </p:cSld>

--- a/Diabetes Prediction with Machine Learning (ML).pptx
+++ b/Diabetes Prediction with Machine Learning (ML).pptx
@@ -5,7 +5,7 @@
     <p:sldMasterId id="2147483648" r:id="rId1"/>
   </p:sldMasterIdLst>
   <p:notesMasterIdLst>
-    <p:notesMasterId r:id="rId35"/>
+    <p:notesMasterId r:id="rId37"/>
   </p:notesMasterIdLst>
   <p:sldIdLst>
     <p:sldId id="256" r:id="rId2"/>
@@ -34,13 +34,15 @@
     <p:sldId id="273" r:id="rId25"/>
     <p:sldId id="274" r:id="rId26"/>
     <p:sldId id="275" r:id="rId27"/>
-    <p:sldId id="276" r:id="rId28"/>
-    <p:sldId id="277" r:id="rId29"/>
-    <p:sldId id="278" r:id="rId30"/>
-    <p:sldId id="279" r:id="rId31"/>
-    <p:sldId id="280" r:id="rId32"/>
-    <p:sldId id="281" r:id="rId33"/>
-    <p:sldId id="282" r:id="rId34"/>
+    <p:sldId id="298" r:id="rId28"/>
+    <p:sldId id="297" r:id="rId29"/>
+    <p:sldId id="296" r:id="rId30"/>
+    <p:sldId id="277" r:id="rId31"/>
+    <p:sldId id="278" r:id="rId32"/>
+    <p:sldId id="279" r:id="rId33"/>
+    <p:sldId id="280" r:id="rId34"/>
+    <p:sldId id="281" r:id="rId35"/>
+    <p:sldId id="282" r:id="rId36"/>
   </p:sldIdLst>
   <p:sldSz cx="12192000" cy="6858000"/>
   <p:notesSz cx="6858000" cy="9144000"/>
@@ -518,7 +520,7 @@
           <a:p>
             <a:fld id="{4F162202-4602-4A80-AA5A-C601C1519D47}" type="datetimeFigureOut">
               <a:rPr lang="en-GB" smtClean="0"/>
-              <a:t>16/02/2025</a:t>
+              <a:t>17/02/2025</a:t>
             </a:fld>
             <a:endParaRPr lang="en-GB"/>
           </a:p>
@@ -1187,7 +1189,7 @@
           <a:p>
             <a:fld id="{AF8979C9-B5CC-471D-815B-CFB8B5F67837}" type="datetimeFigureOut">
               <a:rPr lang="en-GB" smtClean="0"/>
-              <a:t>16/02/2025</a:t>
+              <a:t>17/02/2025</a:t>
             </a:fld>
             <a:endParaRPr lang="en-GB"/>
           </a:p>
@@ -1387,7 +1389,7 @@
           <a:p>
             <a:fld id="{AF8979C9-B5CC-471D-815B-CFB8B5F67837}" type="datetimeFigureOut">
               <a:rPr lang="en-GB" smtClean="0"/>
-              <a:t>16/02/2025</a:t>
+              <a:t>17/02/2025</a:t>
             </a:fld>
             <a:endParaRPr lang="en-GB"/>
           </a:p>
@@ -1597,7 +1599,7 @@
           <a:p>
             <a:fld id="{AF8979C9-B5CC-471D-815B-CFB8B5F67837}" type="datetimeFigureOut">
               <a:rPr lang="en-GB" smtClean="0"/>
-              <a:t>16/02/2025</a:t>
+              <a:t>17/02/2025</a:t>
             </a:fld>
             <a:endParaRPr lang="en-GB"/>
           </a:p>
@@ -1797,7 +1799,7 @@
           <a:p>
             <a:fld id="{AF8979C9-B5CC-471D-815B-CFB8B5F67837}" type="datetimeFigureOut">
               <a:rPr lang="en-GB" smtClean="0"/>
-              <a:t>16/02/2025</a:t>
+              <a:t>17/02/2025</a:t>
             </a:fld>
             <a:endParaRPr lang="en-GB"/>
           </a:p>
@@ -2073,7 +2075,7 @@
           <a:p>
             <a:fld id="{AF8979C9-B5CC-471D-815B-CFB8B5F67837}" type="datetimeFigureOut">
               <a:rPr lang="en-GB" smtClean="0"/>
-              <a:t>16/02/2025</a:t>
+              <a:t>17/02/2025</a:t>
             </a:fld>
             <a:endParaRPr lang="en-GB"/>
           </a:p>
@@ -2341,7 +2343,7 @@
           <a:p>
             <a:fld id="{AF8979C9-B5CC-471D-815B-CFB8B5F67837}" type="datetimeFigureOut">
               <a:rPr lang="en-GB" smtClean="0"/>
-              <a:t>16/02/2025</a:t>
+              <a:t>17/02/2025</a:t>
             </a:fld>
             <a:endParaRPr lang="en-GB"/>
           </a:p>
@@ -2756,7 +2758,7 @@
           <a:p>
             <a:fld id="{AF8979C9-B5CC-471D-815B-CFB8B5F67837}" type="datetimeFigureOut">
               <a:rPr lang="en-GB" smtClean="0"/>
-              <a:t>16/02/2025</a:t>
+              <a:t>17/02/2025</a:t>
             </a:fld>
             <a:endParaRPr lang="en-GB"/>
           </a:p>
@@ -2898,7 +2900,7 @@
           <a:p>
             <a:fld id="{AF8979C9-B5CC-471D-815B-CFB8B5F67837}" type="datetimeFigureOut">
               <a:rPr lang="en-GB" smtClean="0"/>
-              <a:t>16/02/2025</a:t>
+              <a:t>17/02/2025</a:t>
             </a:fld>
             <a:endParaRPr lang="en-GB"/>
           </a:p>
@@ -3011,7 +3013,7 @@
           <a:p>
             <a:fld id="{AF8979C9-B5CC-471D-815B-CFB8B5F67837}" type="datetimeFigureOut">
               <a:rPr lang="en-GB" smtClean="0"/>
-              <a:t>16/02/2025</a:t>
+              <a:t>17/02/2025</a:t>
             </a:fld>
             <a:endParaRPr lang="en-GB"/>
           </a:p>
@@ -3324,7 +3326,7 @@
           <a:p>
             <a:fld id="{AF8979C9-B5CC-471D-815B-CFB8B5F67837}" type="datetimeFigureOut">
               <a:rPr lang="en-GB" smtClean="0"/>
-              <a:t>16/02/2025</a:t>
+              <a:t>17/02/2025</a:t>
             </a:fld>
             <a:endParaRPr lang="en-GB"/>
           </a:p>
@@ -3613,7 +3615,7 @@
           <a:p>
             <a:fld id="{AF8979C9-B5CC-471D-815B-CFB8B5F67837}" type="datetimeFigureOut">
               <a:rPr lang="en-GB" smtClean="0"/>
-              <a:t>16/02/2025</a:t>
+              <a:t>17/02/2025</a:t>
             </a:fld>
             <a:endParaRPr lang="en-GB"/>
           </a:p>
@@ -3856,7 +3858,7 @@
           <a:p>
             <a:fld id="{AF8979C9-B5CC-471D-815B-CFB8B5F67837}" type="datetimeFigureOut">
               <a:rPr lang="en-GB" smtClean="0"/>
-              <a:t>16/02/2025</a:t>
+              <a:t>17/02/2025</a:t>
             </a:fld>
             <a:endParaRPr lang="en-GB"/>
           </a:p>
@@ -7484,7 +7486,7 @@
           <p:cNvPr id="2" name="Title 1">
             <a:extLst>
               <a:ext uri="{FF2B5EF4-FFF2-40B4-BE49-F238E27FC236}">
-                <a16:creationId xmlns:a16="http://schemas.microsoft.com/office/drawing/2014/main" id="{230DB2D1-5376-9394-A2EE-84484AD267A1}"/>
+                <a16:creationId xmlns:a16="http://schemas.microsoft.com/office/drawing/2014/main" id="{52395A95-3CDF-0D77-D2E5-81A9D03B828F}"/>
               </a:ext>
             </a:extLst>
           </p:cNvPr>
@@ -7501,10 +7503,8 @@
           <a:lstStyle/>
           <a:p>
             <a:r>
-              <a:rPr lang="en-GB" dirty="0">
-                <a:latin typeface="Jumping Unicorn" panose="02000600000000000000" pitchFamily="2" charset="0"/>
-              </a:rPr>
-              <a:t>Workflow</a:t>
+              <a:rPr lang="en-GB" dirty="0"/>
+              <a:t>Use Case Diagram</a:t>
             </a:r>
           </a:p>
         </p:txBody>
@@ -7514,7 +7514,7 @@
           <p:cNvPr id="3" name="Content Placeholder 2">
             <a:extLst>
               <a:ext uri="{FF2B5EF4-FFF2-40B4-BE49-F238E27FC236}">
-                <a16:creationId xmlns:a16="http://schemas.microsoft.com/office/drawing/2014/main" id="{4B1D5A2D-3F5F-A625-F52F-F221D1004128}"/>
+                <a16:creationId xmlns:a16="http://schemas.microsoft.com/office/drawing/2014/main" id="{894DD074-562F-DA1A-5029-2F11E74FDB7F}"/>
               </a:ext>
             </a:extLst>
           </p:cNvPr>
@@ -7525,22 +7525,57 @@
             <p:ph idx="1"/>
           </p:nvPr>
         </p:nvSpPr>
-        <p:spPr/>
+        <p:spPr>
+          <a:xfrm>
+            <a:off x="838200" y="1825625"/>
+            <a:ext cx="5886450" cy="4351338"/>
+          </a:xfrm>
+        </p:spPr>
         <p:txBody>
           <a:bodyPr/>
           <a:lstStyle/>
           <a:p>
-            <a:pPr marL="0" indent="0">
-              <a:buNone/>
-            </a:pPr>
-            <a:endParaRPr lang="en-GB" dirty="0"/>
-          </a:p>
-        </p:txBody>
-      </p:sp>
+            <a:endParaRPr lang="en-GB" dirty="0">
+              <a:latin typeface="Times New Roman" panose="02020603050405020304" pitchFamily="18" charset="0"/>
+              <a:cs typeface="Times New Roman" panose="02020603050405020304" pitchFamily="18" charset="0"/>
+            </a:endParaRPr>
+          </a:p>
+        </p:txBody>
+      </p:sp>
+      <p:pic>
+        <p:nvPicPr>
+          <p:cNvPr id="5" name="Picture 4">
+            <a:extLst>
+              <a:ext uri="{FF2B5EF4-FFF2-40B4-BE49-F238E27FC236}">
+                <a16:creationId xmlns:a16="http://schemas.microsoft.com/office/drawing/2014/main" id="{1F2B1FAB-5552-15B0-25D7-D19B0CB61C7D}"/>
+              </a:ext>
+            </a:extLst>
+          </p:cNvPr>
+          <p:cNvPicPr>
+            <a:picLocks noChangeAspect="1"/>
+          </p:cNvPicPr>
+          <p:nvPr/>
+        </p:nvPicPr>
+        <p:blipFill>
+          <a:blip r:embed="rId2"/>
+          <a:stretch>
+            <a:fillRect/>
+          </a:stretch>
+        </p:blipFill>
+        <p:spPr>
+          <a:xfrm>
+            <a:off x="7923276" y="0"/>
+            <a:ext cx="3813048" cy="6858000"/>
+          </a:xfrm>
+          <a:prstGeom prst="rect">
+            <a:avLst/>
+          </a:prstGeom>
+        </p:spPr>
+      </p:pic>
     </p:spTree>
     <p:extLst>
       <p:ext uri="{BB962C8B-B14F-4D97-AF65-F5344CB8AC3E}">
-        <p14:creationId xmlns:p14="http://schemas.microsoft.com/office/powerpoint/2010/main" val="3649366483"/>
+        <p14:creationId xmlns:p14="http://schemas.microsoft.com/office/powerpoint/2010/main" val="3556970642"/>
       </p:ext>
     </p:extLst>
   </p:cSld>
@@ -7572,7 +7607,7 @@
           <p:cNvPr id="2" name="Title 1">
             <a:extLst>
               <a:ext uri="{FF2B5EF4-FFF2-40B4-BE49-F238E27FC236}">
-                <a16:creationId xmlns:a16="http://schemas.microsoft.com/office/drawing/2014/main" id="{60B1C63A-38FF-B122-E130-3B3B86B6F9CF}"/>
+                <a16:creationId xmlns:a16="http://schemas.microsoft.com/office/drawing/2014/main" id="{01265544-4EE4-9947-C5BB-7F8ABDDC6138}"/>
               </a:ext>
             </a:extLst>
           </p:cNvPr>
@@ -7583,24 +7618,151 @@
             <p:ph type="title"/>
           </p:nvPr>
         </p:nvSpPr>
-        <p:spPr/>
+        <p:spPr>
+          <a:xfrm>
+            <a:off x="838200" y="365125"/>
+            <a:ext cx="6733949" cy="1325563"/>
+          </a:xfrm>
+        </p:spPr>
         <p:txBody>
           <a:bodyPr/>
           <a:lstStyle/>
           <a:p>
             <a:r>
+              <a:rPr lang="en-GB" dirty="0"/>
+              <a:t>Architecture Diagram</a:t>
+            </a:r>
+          </a:p>
+        </p:txBody>
+      </p:sp>
+      <p:sp>
+        <p:nvSpPr>
+          <p:cNvPr id="3" name="Content Placeholder 2">
+            <a:extLst>
+              <a:ext uri="{FF2B5EF4-FFF2-40B4-BE49-F238E27FC236}">
+                <a16:creationId xmlns:a16="http://schemas.microsoft.com/office/drawing/2014/main" id="{96D017E5-D3BB-147E-75F7-D5A6C35014E9}"/>
+              </a:ext>
+            </a:extLst>
+          </p:cNvPr>
+          <p:cNvSpPr>
+            <a:spLocks noGrp="1"/>
+          </p:cNvSpPr>
+          <p:nvPr>
+            <p:ph idx="1"/>
+          </p:nvPr>
+        </p:nvSpPr>
+        <p:spPr>
+          <a:xfrm>
+            <a:off x="838200" y="1825625"/>
+            <a:ext cx="6733949" cy="4351338"/>
+          </a:xfrm>
+        </p:spPr>
+        <p:txBody>
+          <a:bodyPr>
+            <a:normAutofit lnSpcReduction="10000"/>
+          </a:bodyPr>
+          <a:lstStyle/>
+          <a:p>
+            <a:pPr marL="514350" indent="-514350">
+              <a:buAutoNum type="arabicPeriod"/>
+            </a:pPr>
+            <a:r>
               <a:rPr lang="en-GB" dirty="0">
-                <a:latin typeface="Jumping Unicorn" panose="02000600000000000000" pitchFamily="2" charset="0"/>
-              </a:rPr>
-              <a:t>Demo</a:t>
-            </a:r>
-          </a:p>
-        </p:txBody>
-      </p:sp>
+                <a:latin typeface="Times New Roman" panose="02020603050405020304" pitchFamily="18" charset="0"/>
+                <a:cs typeface="Times New Roman" panose="02020603050405020304" pitchFamily="18" charset="0"/>
+              </a:rPr>
+              <a:t>The client sends a POST request with input data to the Flask app</a:t>
+            </a:r>
+          </a:p>
+          <a:p>
+            <a:pPr marL="514350" indent="-514350">
+              <a:buAutoNum type="arabicPeriod"/>
+            </a:pPr>
+            <a:r>
+              <a:rPr lang="en-GB" dirty="0">
+                <a:latin typeface="Times New Roman" panose="02020603050405020304" pitchFamily="18" charset="0"/>
+                <a:cs typeface="Times New Roman" panose="02020603050405020304" pitchFamily="18" charset="0"/>
+              </a:rPr>
+              <a:t>The Flask app processes the input data, scaling it for LR and GBM models to make predictions</a:t>
+            </a:r>
+          </a:p>
+          <a:p>
+            <a:pPr marL="514350" indent="-514350">
+              <a:buAutoNum type="arabicPeriod"/>
+            </a:pPr>
+            <a:r>
+              <a:rPr lang="en-GB" dirty="0">
+                <a:latin typeface="Times New Roman" panose="02020603050405020304" pitchFamily="18" charset="0"/>
+                <a:cs typeface="Times New Roman" panose="02020603050405020304" pitchFamily="18" charset="0"/>
+              </a:rPr>
+              <a:t>Flask app then uses LIME explainer to generate the explanation for the predictions</a:t>
+            </a:r>
+          </a:p>
+          <a:p>
+            <a:pPr marL="514350" indent="-514350">
+              <a:buAutoNum type="arabicPeriod"/>
+            </a:pPr>
+            <a:r>
+              <a:rPr lang="en-GB" dirty="0">
+                <a:latin typeface="Times New Roman" panose="02020603050405020304" pitchFamily="18" charset="0"/>
+                <a:cs typeface="Times New Roman" panose="02020603050405020304" pitchFamily="18" charset="0"/>
+              </a:rPr>
+              <a:t>The predictions and explanations are then returned to the client and displayed accordingly</a:t>
+            </a:r>
+          </a:p>
+        </p:txBody>
+      </p:sp>
+      <p:pic>
+        <p:nvPicPr>
+          <p:cNvPr id="1028" name="Picture 4">
+            <a:extLst>
+              <a:ext uri="{FF2B5EF4-FFF2-40B4-BE49-F238E27FC236}">
+                <a16:creationId xmlns:a16="http://schemas.microsoft.com/office/drawing/2014/main" id="{FDDAAFB1-1EB3-D59C-0D07-89B2598C8BBB}"/>
+              </a:ext>
+            </a:extLst>
+          </p:cNvPr>
+          <p:cNvPicPr>
+            <a:picLocks noChangeAspect="1" noChangeArrowheads="1"/>
+          </p:cNvPicPr>
+          <p:nvPr/>
+        </p:nvPicPr>
+        <p:blipFill>
+          <a:blip r:embed="rId2">
+            <a:extLst>
+              <a:ext uri="{28A0092B-C50C-407E-A947-70E740481C1C}">
+                <a14:useLocalDpi xmlns:a14="http://schemas.microsoft.com/office/drawing/2010/main" val="0"/>
+              </a:ext>
+            </a:extLst>
+          </a:blip>
+          <a:srcRect/>
+          <a:stretch>
+            <a:fillRect/>
+          </a:stretch>
+        </p:blipFill>
+        <p:spPr bwMode="auto">
+          <a:xfrm>
+            <a:off x="7572149" y="0"/>
+            <a:ext cx="4579937" cy="6858000"/>
+          </a:xfrm>
+          <a:prstGeom prst="rect">
+            <a:avLst/>
+          </a:prstGeom>
+          <a:noFill/>
+          <a:extLst>
+            <a:ext uri="{909E8E84-426E-40DD-AFC4-6F175D3DCCD1}">
+              <a14:hiddenFill xmlns:a14="http://schemas.microsoft.com/office/drawing/2010/main">
+                <a:solidFill>
+                  <a:srgbClr val="FFFFFF"/>
+                </a:solidFill>
+              </a14:hiddenFill>
+            </a:ext>
+          </a:extLst>
+        </p:spPr>
+      </p:pic>
     </p:spTree>
     <p:extLst>
       <p:ext uri="{BB962C8B-B14F-4D97-AF65-F5344CB8AC3E}">
-        <p14:creationId xmlns:p14="http://schemas.microsoft.com/office/powerpoint/2010/main" val="2965663008"/>
+        <p14:creationId xmlns:p14="http://schemas.microsoft.com/office/powerpoint/2010/main" val="3784593241"/>
       </p:ext>
     </p:extLst>
   </p:cSld>
@@ -7632,7 +7794,7 @@
           <p:cNvPr id="2" name="Title 1">
             <a:extLst>
               <a:ext uri="{FF2B5EF4-FFF2-40B4-BE49-F238E27FC236}">
-                <a16:creationId xmlns:a16="http://schemas.microsoft.com/office/drawing/2014/main" id="{CD2889CC-C1B7-42C9-9828-9DA02B2AD405}"/>
+                <a16:creationId xmlns:a16="http://schemas.microsoft.com/office/drawing/2014/main" id="{CC647BD7-D00C-5567-1079-7797A22A19CE}"/>
               </a:ext>
             </a:extLst>
           </p:cNvPr>
@@ -7643,52 +7805,149 @@
             <p:ph type="title"/>
           </p:nvPr>
         </p:nvSpPr>
-        <p:spPr/>
-        <p:txBody>
-          <a:bodyPr/>
-          <a:lstStyle/>
-          <a:p>
-            <a:r>
-              <a:rPr lang="en-GB" dirty="0">
-                <a:latin typeface="Jumping Unicorn" panose="02000600000000000000" pitchFamily="2" charset="0"/>
-              </a:rPr>
-              <a:t>Video Demo</a:t>
-            </a:r>
-          </a:p>
-        </p:txBody>
-      </p:sp>
-      <p:sp>
-        <p:nvSpPr>
-          <p:cNvPr id="3" name="Content Placeholder 2">
-            <a:extLst>
-              <a:ext uri="{FF2B5EF4-FFF2-40B4-BE49-F238E27FC236}">
-                <a16:creationId xmlns:a16="http://schemas.microsoft.com/office/drawing/2014/main" id="{A264D19B-4111-ECB5-597B-9E2A5D0DFE46}"/>
-              </a:ext>
-            </a:extLst>
-          </p:cNvPr>
-          <p:cNvSpPr>
-            <a:spLocks noGrp="1"/>
-          </p:cNvSpPr>
-          <p:nvPr>
-            <p:ph idx="1"/>
-          </p:nvPr>
-        </p:nvSpPr>
-        <p:spPr/>
-        <p:txBody>
-          <a:bodyPr/>
-          <a:lstStyle/>
-          <a:p>
-            <a:pPr marL="0" indent="0">
-              <a:buNone/>
-            </a:pPr>
-            <a:endParaRPr lang="en-GB" dirty="0"/>
-          </a:p>
-        </p:txBody>
-      </p:sp>
+        <p:spPr>
+          <a:xfrm>
+            <a:off x="839788" y="457200"/>
+            <a:ext cx="3932237" cy="530225"/>
+          </a:xfrm>
+        </p:spPr>
+        <p:txBody>
+          <a:bodyPr anchor="t">
+            <a:normAutofit fontScale="90000"/>
+          </a:bodyPr>
+          <a:lstStyle/>
+          <a:p>
+            <a:r>
+              <a:rPr lang="en-GB" dirty="0"/>
+              <a:t>UI and Visualisation</a:t>
+            </a:r>
+          </a:p>
+        </p:txBody>
+      </p:sp>
+      <p:pic>
+        <p:nvPicPr>
+          <p:cNvPr id="21" name="Picture 20">
+            <a:extLst>
+              <a:ext uri="{FF2B5EF4-FFF2-40B4-BE49-F238E27FC236}">
+                <a16:creationId xmlns:a16="http://schemas.microsoft.com/office/drawing/2014/main" id="{FE5D72EC-E5CD-19E2-D975-754E3E2CEC49}"/>
+              </a:ext>
+            </a:extLst>
+          </p:cNvPr>
+          <p:cNvPicPr>
+            <a:picLocks noChangeAspect="1"/>
+          </p:cNvPicPr>
+          <p:nvPr/>
+        </p:nvPicPr>
+        <p:blipFill>
+          <a:blip r:embed="rId2"/>
+          <a:stretch>
+            <a:fillRect/>
+          </a:stretch>
+        </p:blipFill>
+        <p:spPr>
+          <a:xfrm>
+            <a:off x="95778" y="1549899"/>
+            <a:ext cx="4893922" cy="3758202"/>
+          </a:xfrm>
+          <a:prstGeom prst="rect">
+            <a:avLst/>
+          </a:prstGeom>
+        </p:spPr>
+      </p:pic>
+      <p:pic>
+        <p:nvPicPr>
+          <p:cNvPr id="24" name="Picture 23">
+            <a:extLst>
+              <a:ext uri="{FF2B5EF4-FFF2-40B4-BE49-F238E27FC236}">
+                <a16:creationId xmlns:a16="http://schemas.microsoft.com/office/drawing/2014/main" id="{7013098A-9F09-EA59-5112-060214A41CAE}"/>
+              </a:ext>
+            </a:extLst>
+          </p:cNvPr>
+          <p:cNvPicPr>
+            <a:picLocks noChangeAspect="1"/>
+          </p:cNvPicPr>
+          <p:nvPr/>
+        </p:nvPicPr>
+        <p:blipFill>
+          <a:blip r:embed="rId3"/>
+          <a:stretch>
+            <a:fillRect/>
+          </a:stretch>
+        </p:blipFill>
+        <p:spPr>
+          <a:xfrm>
+            <a:off x="5226545" y="484495"/>
+            <a:ext cx="2962688" cy="3334215"/>
+          </a:xfrm>
+          <a:prstGeom prst="rect">
+            <a:avLst/>
+          </a:prstGeom>
+        </p:spPr>
+      </p:pic>
+      <p:pic>
+        <p:nvPicPr>
+          <p:cNvPr id="26" name="Picture 25">
+            <a:extLst>
+              <a:ext uri="{FF2B5EF4-FFF2-40B4-BE49-F238E27FC236}">
+                <a16:creationId xmlns:a16="http://schemas.microsoft.com/office/drawing/2014/main" id="{11080BC5-80DF-B832-BC1A-A4A34CCC67CC}"/>
+              </a:ext>
+            </a:extLst>
+          </p:cNvPr>
+          <p:cNvPicPr>
+            <a:picLocks noChangeAspect="1"/>
+          </p:cNvPicPr>
+          <p:nvPr/>
+        </p:nvPicPr>
+        <p:blipFill>
+          <a:blip r:embed="rId4"/>
+          <a:stretch>
+            <a:fillRect/>
+          </a:stretch>
+        </p:blipFill>
+        <p:spPr>
+          <a:xfrm>
+            <a:off x="7478033" y="3818710"/>
+            <a:ext cx="2594881" cy="2952480"/>
+          </a:xfrm>
+          <a:prstGeom prst="rect">
+            <a:avLst/>
+          </a:prstGeom>
+        </p:spPr>
+      </p:pic>
+      <p:pic>
+        <p:nvPicPr>
+          <p:cNvPr id="28" name="Picture 27">
+            <a:extLst>
+              <a:ext uri="{FF2B5EF4-FFF2-40B4-BE49-F238E27FC236}">
+                <a16:creationId xmlns:a16="http://schemas.microsoft.com/office/drawing/2014/main" id="{CF65D030-2177-19FD-3372-0441A63442D0}"/>
+              </a:ext>
+            </a:extLst>
+          </p:cNvPr>
+          <p:cNvPicPr>
+            <a:picLocks noChangeAspect="1"/>
+          </p:cNvPicPr>
+          <p:nvPr/>
+        </p:nvPicPr>
+        <p:blipFill>
+          <a:blip r:embed="rId5"/>
+          <a:stretch>
+            <a:fillRect/>
+          </a:stretch>
+        </p:blipFill>
+        <p:spPr>
+          <a:xfrm>
+            <a:off x="9104955" y="722312"/>
+            <a:ext cx="2991267" cy="3038899"/>
+          </a:xfrm>
+          <a:prstGeom prst="rect">
+            <a:avLst/>
+          </a:prstGeom>
+        </p:spPr>
+      </p:pic>
     </p:spTree>
     <p:extLst>
       <p:ext uri="{BB962C8B-B14F-4D97-AF65-F5344CB8AC3E}">
-        <p14:creationId xmlns:p14="http://schemas.microsoft.com/office/powerpoint/2010/main" val="2508217115"/>
+        <p14:creationId xmlns:p14="http://schemas.microsoft.com/office/powerpoint/2010/main" val="589582733"/>
       </p:ext>
     </p:extLst>
   </p:cSld>
@@ -8001,7 +8260,7 @@
           <p:cNvPr id="2" name="Title 1">
             <a:extLst>
               <a:ext uri="{FF2B5EF4-FFF2-40B4-BE49-F238E27FC236}">
-                <a16:creationId xmlns:a16="http://schemas.microsoft.com/office/drawing/2014/main" id="{DFC50F33-4F06-6D6A-A3A3-2E6DC603D574}"/>
+                <a16:creationId xmlns:a16="http://schemas.microsoft.com/office/drawing/2014/main" id="{60B1C63A-38FF-B122-E130-3B3B86B6F9CF}"/>
               </a:ext>
             </a:extLst>
           </p:cNvPr>
@@ -8021,7 +8280,7 @@
               <a:rPr lang="en-GB" dirty="0">
                 <a:latin typeface="Jumping Unicorn" panose="02000600000000000000" pitchFamily="2" charset="0"/>
               </a:rPr>
-              <a:t>Challenges and future improvements</a:t>
+              <a:t>Demo</a:t>
             </a:r>
           </a:p>
         </p:txBody>
@@ -8029,7 +8288,7 @@
     </p:spTree>
     <p:extLst>
       <p:ext uri="{BB962C8B-B14F-4D97-AF65-F5344CB8AC3E}">
-        <p14:creationId xmlns:p14="http://schemas.microsoft.com/office/powerpoint/2010/main" val="4212735330"/>
+        <p14:creationId xmlns:p14="http://schemas.microsoft.com/office/powerpoint/2010/main" val="2965663008"/>
       </p:ext>
     </p:extLst>
   </p:cSld>
@@ -8061,7 +8320,7 @@
           <p:cNvPr id="2" name="Title 1">
             <a:extLst>
               <a:ext uri="{FF2B5EF4-FFF2-40B4-BE49-F238E27FC236}">
-                <a16:creationId xmlns:a16="http://schemas.microsoft.com/office/drawing/2014/main" id="{0CADC0C9-8C4F-E760-D367-A726FD9204D8}"/>
+                <a16:creationId xmlns:a16="http://schemas.microsoft.com/office/drawing/2014/main" id="{CD2889CC-C1B7-42C9-9828-9DA02B2AD405}"/>
               </a:ext>
             </a:extLst>
           </p:cNvPr>
@@ -8081,7 +8340,7 @@
               <a:rPr lang="en-GB" dirty="0">
                 <a:latin typeface="Jumping Unicorn" panose="02000600000000000000" pitchFamily="2" charset="0"/>
               </a:rPr>
-              <a:t>Challenges</a:t>
+              <a:t>Video Demo</a:t>
             </a:r>
           </a:p>
         </p:txBody>
@@ -8091,15 +8350,15 @@
           <p:cNvPr id="3" name="Content Placeholder 2">
             <a:extLst>
               <a:ext uri="{FF2B5EF4-FFF2-40B4-BE49-F238E27FC236}">
-                <a16:creationId xmlns:a16="http://schemas.microsoft.com/office/drawing/2014/main" id="{85082A39-D889-A8DB-CA9F-CD3C7A3AA7AD}"/>
-              </a:ext>
-            </a:extLst>
-          </p:cNvPr>
-          <p:cNvSpPr>
-            <a:spLocks noGrp="1"/>
-          </p:cNvSpPr>
-          <p:nvPr>
-            <p:ph sz="half" idx="1"/>
+                <a16:creationId xmlns:a16="http://schemas.microsoft.com/office/drawing/2014/main" id="{A264D19B-4111-ECB5-597B-9E2A5D0DFE46}"/>
+              </a:ext>
+            </a:extLst>
+          </p:cNvPr>
+          <p:cNvSpPr>
+            <a:spLocks noGrp="1"/>
+          </p:cNvSpPr>
+          <p:nvPr>
+            <p:ph idx="1"/>
           </p:nvPr>
         </p:nvSpPr>
         <p:spPr/>
@@ -8107,31 +8366,9 @@
           <a:bodyPr/>
           <a:lstStyle/>
           <a:p>
-            <a:endParaRPr lang="en-GB" dirty="0"/>
-          </a:p>
-        </p:txBody>
-      </p:sp>
-      <p:sp>
-        <p:nvSpPr>
-          <p:cNvPr id="4" name="Content Placeholder 3">
-            <a:extLst>
-              <a:ext uri="{FF2B5EF4-FFF2-40B4-BE49-F238E27FC236}">
-                <a16:creationId xmlns:a16="http://schemas.microsoft.com/office/drawing/2014/main" id="{378B6130-6B0A-5D46-C51B-5E281F0927B1}"/>
-              </a:ext>
-            </a:extLst>
-          </p:cNvPr>
-          <p:cNvSpPr>
-            <a:spLocks noGrp="1"/>
-          </p:cNvSpPr>
-          <p:nvPr>
-            <p:ph sz="half" idx="2"/>
-          </p:nvPr>
-        </p:nvSpPr>
-        <p:spPr/>
-        <p:txBody>
-          <a:bodyPr/>
-          <a:lstStyle/>
-          <a:p>
+            <a:pPr marL="0" indent="0">
+              <a:buNone/>
+            </a:pPr>
             <a:endParaRPr lang="en-GB" dirty="0"/>
           </a:p>
         </p:txBody>
@@ -8139,7 +8376,7 @@
     </p:spTree>
     <p:extLst>
       <p:ext uri="{BB962C8B-B14F-4D97-AF65-F5344CB8AC3E}">
-        <p14:creationId xmlns:p14="http://schemas.microsoft.com/office/powerpoint/2010/main" val="3500278681"/>
+        <p14:creationId xmlns:p14="http://schemas.microsoft.com/office/powerpoint/2010/main" val="2508217115"/>
       </p:ext>
     </p:extLst>
   </p:cSld>
@@ -8171,6 +8408,176 @@
           <p:cNvPr id="2" name="Title 1">
             <a:extLst>
               <a:ext uri="{FF2B5EF4-FFF2-40B4-BE49-F238E27FC236}">
+                <a16:creationId xmlns:a16="http://schemas.microsoft.com/office/drawing/2014/main" id="{DFC50F33-4F06-6D6A-A3A3-2E6DC603D574}"/>
+              </a:ext>
+            </a:extLst>
+          </p:cNvPr>
+          <p:cNvSpPr>
+            <a:spLocks noGrp="1"/>
+          </p:cNvSpPr>
+          <p:nvPr>
+            <p:ph type="title"/>
+          </p:nvPr>
+        </p:nvSpPr>
+        <p:spPr/>
+        <p:txBody>
+          <a:bodyPr/>
+          <a:lstStyle/>
+          <a:p>
+            <a:r>
+              <a:rPr lang="en-GB" dirty="0">
+                <a:latin typeface="Jumping Unicorn" panose="02000600000000000000" pitchFamily="2" charset="0"/>
+              </a:rPr>
+              <a:t>Challenges and future improvements</a:t>
+            </a:r>
+          </a:p>
+        </p:txBody>
+      </p:sp>
+    </p:spTree>
+    <p:extLst>
+      <p:ext uri="{BB962C8B-B14F-4D97-AF65-F5344CB8AC3E}">
+        <p14:creationId xmlns:p14="http://schemas.microsoft.com/office/powerpoint/2010/main" val="4212735330"/>
+      </p:ext>
+    </p:extLst>
+  </p:cSld>
+  <p:clrMapOvr>
+    <a:masterClrMapping/>
+  </p:clrMapOvr>
+</p:sld>
+</file>
+
+<file path=ppt/slides/slide33.xml><?xml version="1.0" encoding="utf-8"?>
+<p:sld xmlns:a="http://schemas.openxmlformats.org/drawingml/2006/main" xmlns:r="http://schemas.openxmlformats.org/officeDocument/2006/relationships" xmlns:p="http://schemas.openxmlformats.org/presentationml/2006/main">
+  <p:cSld>
+    <p:spTree>
+      <p:nvGrpSpPr>
+        <p:cNvPr id="1" name=""/>
+        <p:cNvGrpSpPr/>
+        <p:nvPr/>
+      </p:nvGrpSpPr>
+      <p:grpSpPr>
+        <a:xfrm>
+          <a:off x="0" y="0"/>
+          <a:ext cx="0" cy="0"/>
+          <a:chOff x="0" y="0"/>
+          <a:chExt cx="0" cy="0"/>
+        </a:xfrm>
+      </p:grpSpPr>
+      <p:sp>
+        <p:nvSpPr>
+          <p:cNvPr id="2" name="Title 1">
+            <a:extLst>
+              <a:ext uri="{FF2B5EF4-FFF2-40B4-BE49-F238E27FC236}">
+                <a16:creationId xmlns:a16="http://schemas.microsoft.com/office/drawing/2014/main" id="{0CADC0C9-8C4F-E760-D367-A726FD9204D8}"/>
+              </a:ext>
+            </a:extLst>
+          </p:cNvPr>
+          <p:cNvSpPr>
+            <a:spLocks noGrp="1"/>
+          </p:cNvSpPr>
+          <p:nvPr>
+            <p:ph type="title"/>
+          </p:nvPr>
+        </p:nvSpPr>
+        <p:spPr/>
+        <p:txBody>
+          <a:bodyPr/>
+          <a:lstStyle/>
+          <a:p>
+            <a:r>
+              <a:rPr lang="en-GB" dirty="0">
+                <a:latin typeface="Jumping Unicorn" panose="02000600000000000000" pitchFamily="2" charset="0"/>
+              </a:rPr>
+              <a:t>Challenges</a:t>
+            </a:r>
+          </a:p>
+        </p:txBody>
+      </p:sp>
+      <p:sp>
+        <p:nvSpPr>
+          <p:cNvPr id="3" name="Content Placeholder 2">
+            <a:extLst>
+              <a:ext uri="{FF2B5EF4-FFF2-40B4-BE49-F238E27FC236}">
+                <a16:creationId xmlns:a16="http://schemas.microsoft.com/office/drawing/2014/main" id="{85082A39-D889-A8DB-CA9F-CD3C7A3AA7AD}"/>
+              </a:ext>
+            </a:extLst>
+          </p:cNvPr>
+          <p:cNvSpPr>
+            <a:spLocks noGrp="1"/>
+          </p:cNvSpPr>
+          <p:nvPr>
+            <p:ph sz="half" idx="1"/>
+          </p:nvPr>
+        </p:nvSpPr>
+        <p:spPr/>
+        <p:txBody>
+          <a:bodyPr/>
+          <a:lstStyle/>
+          <a:p>
+            <a:endParaRPr lang="en-GB" dirty="0"/>
+          </a:p>
+        </p:txBody>
+      </p:sp>
+      <p:sp>
+        <p:nvSpPr>
+          <p:cNvPr id="4" name="Content Placeholder 3">
+            <a:extLst>
+              <a:ext uri="{FF2B5EF4-FFF2-40B4-BE49-F238E27FC236}">
+                <a16:creationId xmlns:a16="http://schemas.microsoft.com/office/drawing/2014/main" id="{378B6130-6B0A-5D46-C51B-5E281F0927B1}"/>
+              </a:ext>
+            </a:extLst>
+          </p:cNvPr>
+          <p:cNvSpPr>
+            <a:spLocks noGrp="1"/>
+          </p:cNvSpPr>
+          <p:nvPr>
+            <p:ph sz="half" idx="2"/>
+          </p:nvPr>
+        </p:nvSpPr>
+        <p:spPr/>
+        <p:txBody>
+          <a:bodyPr/>
+          <a:lstStyle/>
+          <a:p>
+            <a:endParaRPr lang="en-GB" dirty="0"/>
+          </a:p>
+        </p:txBody>
+      </p:sp>
+    </p:spTree>
+    <p:extLst>
+      <p:ext uri="{BB962C8B-B14F-4D97-AF65-F5344CB8AC3E}">
+        <p14:creationId xmlns:p14="http://schemas.microsoft.com/office/powerpoint/2010/main" val="3500278681"/>
+      </p:ext>
+    </p:extLst>
+  </p:cSld>
+  <p:clrMapOvr>
+    <a:masterClrMapping/>
+  </p:clrMapOvr>
+</p:sld>
+</file>
+
+<file path=ppt/slides/slide34.xml><?xml version="1.0" encoding="utf-8"?>
+<p:sld xmlns:a="http://schemas.openxmlformats.org/drawingml/2006/main" xmlns:r="http://schemas.openxmlformats.org/officeDocument/2006/relationships" xmlns:p="http://schemas.openxmlformats.org/presentationml/2006/main">
+  <p:cSld>
+    <p:spTree>
+      <p:nvGrpSpPr>
+        <p:cNvPr id="1" name=""/>
+        <p:cNvGrpSpPr/>
+        <p:nvPr/>
+      </p:nvGrpSpPr>
+      <p:grpSpPr>
+        <a:xfrm>
+          <a:off x="0" y="0"/>
+          <a:ext cx="0" cy="0"/>
+          <a:chOff x="0" y="0"/>
+          <a:chExt cx="0" cy="0"/>
+        </a:xfrm>
+      </p:grpSpPr>
+      <p:sp>
+        <p:nvSpPr>
+          <p:cNvPr id="2" name="Title 1">
+            <a:extLst>
+              <a:ext uri="{FF2B5EF4-FFF2-40B4-BE49-F238E27FC236}">
                 <a16:creationId xmlns:a16="http://schemas.microsoft.com/office/drawing/2014/main" id="{D7184DDB-7DDC-1EB1-2BAC-FE421A32497B}"/>
               </a:ext>
             </a:extLst>
@@ -8259,7 +8666,7 @@
 </p:sld>
 </file>
 
-<file path=ppt/slides/slide33.xml><?xml version="1.0" encoding="utf-8"?>
+<file path=ppt/slides/slide35.xml><?xml version="1.0" encoding="utf-8"?>
 <p:sld xmlns:a="http://schemas.openxmlformats.org/drawingml/2006/main" xmlns:r="http://schemas.openxmlformats.org/officeDocument/2006/relationships" xmlns:p="http://schemas.openxmlformats.org/presentationml/2006/main">
   <p:cSld>
     <p:spTree>

--- a/Diabetes Prediction with Machine Learning (ML).pptx
+++ b/Diabetes Prediction with Machine Learning (ML).pptx
@@ -520,7 +520,7 @@
           <a:p>
             <a:fld id="{4F162202-4602-4A80-AA5A-C601C1519D47}" type="datetimeFigureOut">
               <a:rPr lang="en-GB" smtClean="0"/>
-              <a:t>17/02/2025</a:t>
+              <a:t>21/02/2025</a:t>
             </a:fld>
             <a:endParaRPr lang="en-GB"/>
           </a:p>
@@ -1189,7 +1189,7 @@
           <a:p>
             <a:fld id="{AF8979C9-B5CC-471D-815B-CFB8B5F67837}" type="datetimeFigureOut">
               <a:rPr lang="en-GB" smtClean="0"/>
-              <a:t>17/02/2025</a:t>
+              <a:t>21/02/2025</a:t>
             </a:fld>
             <a:endParaRPr lang="en-GB"/>
           </a:p>
@@ -1389,7 +1389,7 @@
           <a:p>
             <a:fld id="{AF8979C9-B5CC-471D-815B-CFB8B5F67837}" type="datetimeFigureOut">
               <a:rPr lang="en-GB" smtClean="0"/>
-              <a:t>17/02/2025</a:t>
+              <a:t>21/02/2025</a:t>
             </a:fld>
             <a:endParaRPr lang="en-GB"/>
           </a:p>
@@ -1599,7 +1599,7 @@
           <a:p>
             <a:fld id="{AF8979C9-B5CC-471D-815B-CFB8B5F67837}" type="datetimeFigureOut">
               <a:rPr lang="en-GB" smtClean="0"/>
-              <a:t>17/02/2025</a:t>
+              <a:t>21/02/2025</a:t>
             </a:fld>
             <a:endParaRPr lang="en-GB"/>
           </a:p>
@@ -1799,7 +1799,7 @@
           <a:p>
             <a:fld id="{AF8979C9-B5CC-471D-815B-CFB8B5F67837}" type="datetimeFigureOut">
               <a:rPr lang="en-GB" smtClean="0"/>
-              <a:t>17/02/2025</a:t>
+              <a:t>21/02/2025</a:t>
             </a:fld>
             <a:endParaRPr lang="en-GB"/>
           </a:p>
@@ -2075,7 +2075,7 @@
           <a:p>
             <a:fld id="{AF8979C9-B5CC-471D-815B-CFB8B5F67837}" type="datetimeFigureOut">
               <a:rPr lang="en-GB" smtClean="0"/>
-              <a:t>17/02/2025</a:t>
+              <a:t>21/02/2025</a:t>
             </a:fld>
             <a:endParaRPr lang="en-GB"/>
           </a:p>
@@ -2343,7 +2343,7 @@
           <a:p>
             <a:fld id="{AF8979C9-B5CC-471D-815B-CFB8B5F67837}" type="datetimeFigureOut">
               <a:rPr lang="en-GB" smtClean="0"/>
-              <a:t>17/02/2025</a:t>
+              <a:t>21/02/2025</a:t>
             </a:fld>
             <a:endParaRPr lang="en-GB"/>
           </a:p>
@@ -2758,7 +2758,7 @@
           <a:p>
             <a:fld id="{AF8979C9-B5CC-471D-815B-CFB8B5F67837}" type="datetimeFigureOut">
               <a:rPr lang="en-GB" smtClean="0"/>
-              <a:t>17/02/2025</a:t>
+              <a:t>21/02/2025</a:t>
             </a:fld>
             <a:endParaRPr lang="en-GB"/>
           </a:p>
@@ -2900,7 +2900,7 @@
           <a:p>
             <a:fld id="{AF8979C9-B5CC-471D-815B-CFB8B5F67837}" type="datetimeFigureOut">
               <a:rPr lang="en-GB" smtClean="0"/>
-              <a:t>17/02/2025</a:t>
+              <a:t>21/02/2025</a:t>
             </a:fld>
             <a:endParaRPr lang="en-GB"/>
           </a:p>
@@ -3013,7 +3013,7 @@
           <a:p>
             <a:fld id="{AF8979C9-B5CC-471D-815B-CFB8B5F67837}" type="datetimeFigureOut">
               <a:rPr lang="en-GB" smtClean="0"/>
-              <a:t>17/02/2025</a:t>
+              <a:t>21/02/2025</a:t>
             </a:fld>
             <a:endParaRPr lang="en-GB"/>
           </a:p>
@@ -3326,7 +3326,7 @@
           <a:p>
             <a:fld id="{AF8979C9-B5CC-471D-815B-CFB8B5F67837}" type="datetimeFigureOut">
               <a:rPr lang="en-GB" smtClean="0"/>
-              <a:t>17/02/2025</a:t>
+              <a:t>21/02/2025</a:t>
             </a:fld>
             <a:endParaRPr lang="en-GB"/>
           </a:p>
@@ -3615,7 +3615,7 @@
           <a:p>
             <a:fld id="{AF8979C9-B5CC-471D-815B-CFB8B5F67837}" type="datetimeFigureOut">
               <a:rPr lang="en-GB" smtClean="0"/>
-              <a:t>17/02/2025</a:t>
+              <a:t>21/02/2025</a:t>
             </a:fld>
             <a:endParaRPr lang="en-GB"/>
           </a:p>
@@ -3858,7 +3858,7 @@
           <a:p>
             <a:fld id="{AF8979C9-B5CC-471D-815B-CFB8B5F67837}" type="datetimeFigureOut">
               <a:rPr lang="en-GB" smtClean="0"/>
-              <a:t>17/02/2025</a:t>
+              <a:t>21/02/2025</a:t>
             </a:fld>
             <a:endParaRPr lang="en-GB"/>
           </a:p>
@@ -7846,7 +7846,7 @@
         </p:blipFill>
         <p:spPr>
           <a:xfrm>
-            <a:off x="95778" y="1549899"/>
+            <a:off x="332623" y="1549899"/>
             <a:ext cx="4893922" cy="3758202"/>
           </a:xfrm>
           <a:prstGeom prst="rect">
